--- a/Tråde/TrådePP.pptx
+++ b/Tråde/TrådePP.pptx
@@ -13,11 +13,15 @@
     <p:sldId id="261" r:id="rId7"/>
     <p:sldId id="262" r:id="rId8"/>
     <p:sldId id="266" r:id="rId9"/>
-    <p:sldId id="263" r:id="rId10"/>
-    <p:sldId id="267" r:id="rId11"/>
-    <p:sldId id="264" r:id="rId12"/>
-    <p:sldId id="265" r:id="rId13"/>
-    <p:sldId id="268" r:id="rId14"/>
+    <p:sldId id="270" r:id="rId10"/>
+    <p:sldId id="263" r:id="rId11"/>
+    <p:sldId id="271" r:id="rId12"/>
+    <p:sldId id="267" r:id="rId13"/>
+    <p:sldId id="272" r:id="rId14"/>
+    <p:sldId id="264" r:id="rId15"/>
+    <p:sldId id="265" r:id="rId16"/>
+    <p:sldId id="268" r:id="rId17"/>
+    <p:sldId id="269" r:id="rId18"/>
   </p:sldIdLst>
   <p:sldSz cx="12192000" cy="6858000"/>
   <p:notesSz cx="6858000" cy="9144000"/>
@@ -116,6 +120,11 @@
       </a:defRPr>
     </a:lvl9pPr>
   </p:defaultTextStyle>
+  <p:extLst>
+    <p:ext uri="{EFAFB233-063F-42B5-8137-9DF3F51BA10A}">
+      <p15:sldGuideLst xmlns:p15="http://schemas.microsoft.com/office/powerpoint/2012/main"/>
+    </p:ext>
+  </p:extLst>
 </p:presentation>
 </file>
 
@@ -307,7 +316,7 @@
           <a:p>
             <a:fld id="{C45483DF-4A80-4B11-B32E-B06121F8A9F8}" type="datetimeFigureOut">
               <a:rPr lang="en-US" smtClean="0"/>
-              <a:t>12/19/2018</a:t>
+              <a:t>1/3/2019</a:t>
             </a:fld>
             <a:endParaRPr lang="en-US"/>
           </a:p>
@@ -645,7 +654,7 @@
           <a:p>
             <a:fld id="{C45483DF-4A80-4B11-B32E-B06121F8A9F8}" type="datetimeFigureOut">
               <a:rPr lang="en-US" smtClean="0"/>
-              <a:t>12/19/2018</a:t>
+              <a:t>1/3/2019</a:t>
             </a:fld>
             <a:endParaRPr lang="en-US"/>
           </a:p>
@@ -1046,7 +1055,7 @@
           <a:p>
             <a:fld id="{C45483DF-4A80-4B11-B32E-B06121F8A9F8}" type="datetimeFigureOut">
               <a:rPr lang="en-US" smtClean="0"/>
-              <a:t>12/19/2018</a:t>
+              <a:t>1/3/2019</a:t>
             </a:fld>
             <a:endParaRPr lang="en-US"/>
           </a:p>
@@ -1382,7 +1391,7 @@
           <a:p>
             <a:fld id="{C45483DF-4A80-4B11-B32E-B06121F8A9F8}" type="datetimeFigureOut">
               <a:rPr lang="en-US" smtClean="0"/>
-              <a:t>12/19/2018</a:t>
+              <a:t>1/3/2019</a:t>
             </a:fld>
             <a:endParaRPr lang="en-US"/>
           </a:p>
@@ -1702,7 +1711,7 @@
           <a:p>
             <a:fld id="{C45483DF-4A80-4B11-B32E-B06121F8A9F8}" type="datetimeFigureOut">
               <a:rPr lang="en-US" smtClean="0"/>
-              <a:t>12/19/2018</a:t>
+              <a:t>1/3/2019</a:t>
             </a:fld>
             <a:endParaRPr lang="en-US"/>
           </a:p>
@@ -2098,7 +2107,7 @@
           <a:p>
             <a:fld id="{C45483DF-4A80-4B11-B32E-B06121F8A9F8}" type="datetimeFigureOut">
               <a:rPr lang="en-US" smtClean="0"/>
-              <a:t>12/19/2018</a:t>
+              <a:t>1/3/2019</a:t>
             </a:fld>
             <a:endParaRPr lang="en-US"/>
           </a:p>
@@ -2355,7 +2364,7 @@
           <a:p>
             <a:fld id="{C45483DF-4A80-4B11-B32E-B06121F8A9F8}" type="datetimeFigureOut">
               <a:rPr lang="en-US" smtClean="0"/>
-              <a:t>12/19/2018</a:t>
+              <a:t>1/3/2019</a:t>
             </a:fld>
             <a:endParaRPr lang="en-US"/>
           </a:p>
@@ -2617,7 +2626,7 @@
           <a:p>
             <a:fld id="{C45483DF-4A80-4B11-B32E-B06121F8A9F8}" type="datetimeFigureOut">
               <a:rPr lang="en-US" smtClean="0"/>
-              <a:t>12/19/2018</a:t>
+              <a:t>1/3/2019</a:t>
             </a:fld>
             <a:endParaRPr lang="en-US"/>
           </a:p>
@@ -2879,7 +2888,7 @@
           <a:p>
             <a:fld id="{C45483DF-4A80-4B11-B32E-B06121F8A9F8}" type="datetimeFigureOut">
               <a:rPr lang="en-US" smtClean="0"/>
-              <a:t>12/19/2018</a:t>
+              <a:t>1/3/2019</a:t>
             </a:fld>
             <a:endParaRPr lang="en-US"/>
           </a:p>
@@ -3208,7 +3217,7 @@
           <a:p>
             <a:fld id="{C45483DF-4A80-4B11-B32E-B06121F8A9F8}" type="datetimeFigureOut">
               <a:rPr lang="en-US" smtClean="0"/>
-              <a:t>12/19/2018</a:t>
+              <a:t>1/3/2019</a:t>
             </a:fld>
             <a:endParaRPr lang="en-US"/>
           </a:p>
@@ -3531,7 +3540,7 @@
           <a:p>
             <a:fld id="{C45483DF-4A80-4B11-B32E-B06121F8A9F8}" type="datetimeFigureOut">
               <a:rPr lang="en-US" smtClean="0"/>
-              <a:t>12/19/2018</a:t>
+              <a:t>1/3/2019</a:t>
             </a:fld>
             <a:endParaRPr lang="en-US"/>
           </a:p>
@@ -3988,7 +3997,7 @@
           <a:p>
             <a:fld id="{C45483DF-4A80-4B11-B32E-B06121F8A9F8}" type="datetimeFigureOut">
               <a:rPr lang="en-US" smtClean="0"/>
-              <a:t>12/19/2018</a:t>
+              <a:t>1/3/2019</a:t>
             </a:fld>
             <a:endParaRPr lang="en-US"/>
           </a:p>
@@ -4193,7 +4202,7 @@
           <a:p>
             <a:fld id="{C45483DF-4A80-4B11-B32E-B06121F8A9F8}" type="datetimeFigureOut">
               <a:rPr lang="en-US" smtClean="0"/>
-              <a:t>12/19/2018</a:t>
+              <a:t>1/3/2019</a:t>
             </a:fld>
             <a:endParaRPr lang="en-US"/>
           </a:p>
@@ -4370,7 +4379,7 @@
           <a:p>
             <a:fld id="{C45483DF-4A80-4B11-B32E-B06121F8A9F8}" type="datetimeFigureOut">
               <a:rPr lang="en-US" smtClean="0"/>
-              <a:t>12/19/2018</a:t>
+              <a:t>1/3/2019</a:t>
             </a:fld>
             <a:endParaRPr lang="en-US"/>
           </a:p>
@@ -4703,7 +4712,7 @@
           <a:p>
             <a:fld id="{C45483DF-4A80-4B11-B32E-B06121F8A9F8}" type="datetimeFigureOut">
               <a:rPr lang="en-US" smtClean="0"/>
-              <a:t>12/19/2018</a:t>
+              <a:t>1/3/2019</a:t>
             </a:fld>
             <a:endParaRPr lang="en-US"/>
           </a:p>
@@ -5048,7 +5057,7 @@
           <a:p>
             <a:fld id="{C45483DF-4A80-4B11-B32E-B06121F8A9F8}" type="datetimeFigureOut">
               <a:rPr lang="en-US" smtClean="0"/>
-              <a:t>12/19/2018</a:t>
+              <a:t>1/3/2019</a:t>
             </a:fld>
             <a:endParaRPr lang="en-US"/>
           </a:p>
@@ -7165,7 +7174,7 @@
           <a:p>
             <a:fld id="{C45483DF-4A80-4B11-B32E-B06121F8A9F8}" type="datetimeFigureOut">
               <a:rPr lang="en-US" smtClean="0"/>
-              <a:t>12/19/2018</a:t>
+              <a:t>1/3/2019</a:t>
             </a:fld>
             <a:endParaRPr lang="en-US"/>
           </a:p>
@@ -10231,6 +10240,546 @@
 <file path=ppt/slides/slide10.xml><?xml version="1.0" encoding="utf-8"?>
 <p:sld xmlns:a="http://schemas.openxmlformats.org/drawingml/2006/main" xmlns:r="http://schemas.openxmlformats.org/officeDocument/2006/relationships" xmlns:p="http://schemas.openxmlformats.org/presentationml/2006/main">
   <p:cSld>
+    <p:bg>
+      <p:bgPr>
+        <a:gradFill rotWithShape="1">
+          <a:gsLst>
+            <a:gs pos="0">
+              <a:schemeClr val="bg2">
+                <a:tint val="90000"/>
+                <a:satMod val="92000"/>
+                <a:lumMod val="120000"/>
+              </a:schemeClr>
+            </a:gs>
+            <a:gs pos="100000">
+              <a:schemeClr val="bg2">
+                <a:shade val="98000"/>
+                <a:satMod val="120000"/>
+                <a:lumMod val="98000"/>
+              </a:schemeClr>
+            </a:gs>
+          </a:gsLst>
+          <a:path path="circle">
+            <a:fillToRect l="50000" t="50000" r="100000" b="100000"/>
+          </a:path>
+        </a:gradFill>
+        <a:effectLst/>
+      </p:bgPr>
+    </p:bg>
+    <p:spTree>
+      <p:nvGrpSpPr>
+        <p:cNvPr id="1" name=""/>
+        <p:cNvGrpSpPr/>
+        <p:nvPr/>
+      </p:nvGrpSpPr>
+      <p:grpSpPr>
+        <a:xfrm>
+          <a:off x="0" y="0"/>
+          <a:ext cx="0" cy="0"/>
+          <a:chOff x="0" y="0"/>
+          <a:chExt cx="0" cy="0"/>
+        </a:xfrm>
+      </p:grpSpPr>
+      <p:sp>
+        <p:nvSpPr>
+          <p:cNvPr id="2" name="Titel 1">
+            <a:extLst>
+              <a:ext uri="{FF2B5EF4-FFF2-40B4-BE49-F238E27FC236}">
+                <a16:creationId xmlns:a16="http://schemas.microsoft.com/office/drawing/2014/main" id="{0A9BA558-93AC-4851-83EF-47FA96510812}"/>
+              </a:ext>
+            </a:extLst>
+          </p:cNvPr>
+          <p:cNvSpPr>
+            <a:spLocks noGrp="1"/>
+          </p:cNvSpPr>
+          <p:nvPr>
+            <p:ph type="title"/>
+          </p:nvPr>
+        </p:nvSpPr>
+        <p:spPr>
+          <a:xfrm>
+            <a:off x="1687669" y="624110"/>
+            <a:ext cx="4137059" cy="1280890"/>
+          </a:xfrm>
+        </p:spPr>
+        <p:txBody>
+          <a:bodyPr>
+            <a:normAutofit/>
+          </a:bodyPr>
+          <a:lstStyle/>
+          <a:p>
+            <a:r>
+              <a:rPr lang="da-DK" sz="2200"/>
+              <a:t>Synkroniseringsmekanismer</a:t>
+            </a:r>
+            <a:endParaRPr lang="en-US" sz="2200"/>
+          </a:p>
+        </p:txBody>
+      </p:sp>
+      <p:sp>
+        <p:nvSpPr>
+          <p:cNvPr id="3" name="Pladsholder til indhold 2">
+            <a:extLst>
+              <a:ext uri="{FF2B5EF4-FFF2-40B4-BE49-F238E27FC236}">
+                <a16:creationId xmlns:a16="http://schemas.microsoft.com/office/drawing/2014/main" id="{936FA97A-5824-46EF-8DD4-24DD5261EC22}"/>
+              </a:ext>
+            </a:extLst>
+          </p:cNvPr>
+          <p:cNvSpPr>
+            <a:spLocks noGrp="1"/>
+          </p:cNvSpPr>
+          <p:nvPr>
+            <p:ph idx="1"/>
+          </p:nvPr>
+        </p:nvSpPr>
+        <p:spPr>
+          <a:xfrm>
+            <a:off x="1394707" y="2180634"/>
+            <a:ext cx="4140772" cy="3777622"/>
+          </a:xfrm>
+        </p:spPr>
+        <p:txBody>
+          <a:bodyPr>
+            <a:normAutofit/>
+          </a:bodyPr>
+          <a:lstStyle/>
+          <a:p>
+            <a:r>
+              <a:rPr lang="da-DK" sz="1600" dirty="0">
+                <a:solidFill>
+                  <a:srgbClr val="000000"/>
+                </a:solidFill>
+              </a:rPr>
+              <a:t>kontrollerer hvordan ressourcer tilgås</a:t>
+            </a:r>
+          </a:p>
+          <a:p>
+            <a:pPr lvl="1"/>
+            <a:endParaRPr lang="da-DK" sz="1400" dirty="0">
+              <a:solidFill>
+                <a:srgbClr val="000000"/>
+              </a:solidFill>
+            </a:endParaRPr>
+          </a:p>
+          <a:p>
+            <a:r>
+              <a:rPr lang="da-DK" sz="1600" dirty="0">
+                <a:solidFill>
+                  <a:srgbClr val="000000"/>
+                </a:solidFill>
+              </a:rPr>
+              <a:t>Løser Race </a:t>
+            </a:r>
+            <a:r>
+              <a:rPr lang="da-DK" sz="1600" dirty="0" err="1">
+                <a:solidFill>
+                  <a:srgbClr val="000000"/>
+                </a:solidFill>
+              </a:rPr>
+              <a:t>Conditions</a:t>
+            </a:r>
+            <a:endParaRPr lang="da-DK" sz="1600" dirty="0">
+              <a:solidFill>
+                <a:srgbClr val="000000"/>
+              </a:solidFill>
+            </a:endParaRPr>
+          </a:p>
+          <a:p>
+            <a:r>
+              <a:rPr lang="da-DK" sz="1600" dirty="0">
+                <a:solidFill>
+                  <a:srgbClr val="000000"/>
+                </a:solidFill>
+              </a:rPr>
+              <a:t>Gør det muligt at Dead Locks, Live Locks og </a:t>
+            </a:r>
+            <a:r>
+              <a:rPr lang="da-DK" sz="1600" dirty="0" err="1">
+                <a:solidFill>
+                  <a:srgbClr val="000000"/>
+                </a:solidFill>
+              </a:rPr>
+              <a:t>Starvation</a:t>
+            </a:r>
+            <a:r>
+              <a:rPr lang="da-DK" sz="1600" dirty="0">
+                <a:solidFill>
+                  <a:srgbClr val="000000"/>
+                </a:solidFill>
+              </a:rPr>
+              <a:t> opstår.</a:t>
+            </a:r>
+            <a:endParaRPr lang="en-US" sz="1600" dirty="0">
+              <a:solidFill>
+                <a:srgbClr val="000000"/>
+              </a:solidFill>
+            </a:endParaRPr>
+          </a:p>
+        </p:txBody>
+      </p:sp>
+      <p:pic>
+        <p:nvPicPr>
+          <p:cNvPr id="8194" name="Picture 2" descr="Billedresultat for threading programming meme">
+            <a:extLst>
+              <a:ext uri="{FF2B5EF4-FFF2-40B4-BE49-F238E27FC236}">
+                <a16:creationId xmlns:a16="http://schemas.microsoft.com/office/drawing/2014/main" id="{D01E26EE-11DD-4B87-ADAF-9A4C2C83A27D}"/>
+              </a:ext>
+            </a:extLst>
+          </p:cNvPr>
+          <p:cNvPicPr>
+            <a:picLocks noChangeAspect="1" noChangeArrowheads="1"/>
+          </p:cNvPicPr>
+          <p:nvPr/>
+        </p:nvPicPr>
+        <p:blipFill>
+          <a:blip r:embed="rId2">
+            <a:extLst>
+              <a:ext uri="{28A0092B-C50C-407E-A947-70E740481C1C}">
+                <a14:useLocalDpi xmlns:a14="http://schemas.microsoft.com/office/drawing/2010/main" val="0"/>
+              </a:ext>
+            </a:extLst>
+          </a:blip>
+          <a:srcRect/>
+          <a:stretch>
+            <a:fillRect/>
+          </a:stretch>
+        </p:blipFill>
+        <p:spPr bwMode="auto">
+          <a:xfrm>
+            <a:off x="5701005" y="926601"/>
+            <a:ext cx="6337062" cy="5307289"/>
+          </a:xfrm>
+          <a:prstGeom prst="rect">
+            <a:avLst/>
+          </a:prstGeom>
+          <a:noFill/>
+          <a:extLst>
+            <a:ext uri="{909E8E84-426E-40DD-AFC4-6F175D3DCCD1}">
+              <a14:hiddenFill xmlns:a14="http://schemas.microsoft.com/office/drawing/2010/main">
+                <a:solidFill>
+                  <a:srgbClr val="FFFFFF"/>
+                </a:solidFill>
+              </a14:hiddenFill>
+            </a:ext>
+          </a:extLst>
+        </p:spPr>
+      </p:pic>
+    </p:spTree>
+    <p:extLst>
+      <p:ext uri="{BB962C8B-B14F-4D97-AF65-F5344CB8AC3E}">
+        <p14:creationId xmlns:p14="http://schemas.microsoft.com/office/powerpoint/2010/main" val="4245322968"/>
+      </p:ext>
+    </p:extLst>
+  </p:cSld>
+  <p:clrMapOvr>
+    <a:masterClrMapping/>
+  </p:clrMapOvr>
+</p:sld>
+</file>
+
+<file path=ppt/slides/slide11.xml><?xml version="1.0" encoding="utf-8"?>
+<p:sld xmlns:a="http://schemas.openxmlformats.org/drawingml/2006/main" xmlns:r="http://schemas.openxmlformats.org/officeDocument/2006/relationships" xmlns:p="http://schemas.openxmlformats.org/presentationml/2006/main">
+  <p:cSld>
+    <p:bg>
+      <p:bgPr>
+        <a:gradFill rotWithShape="1">
+          <a:gsLst>
+            <a:gs pos="0">
+              <a:schemeClr val="bg2">
+                <a:tint val="90000"/>
+                <a:satMod val="92000"/>
+                <a:lumMod val="120000"/>
+              </a:schemeClr>
+            </a:gs>
+            <a:gs pos="100000">
+              <a:schemeClr val="bg2">
+                <a:shade val="98000"/>
+                <a:satMod val="120000"/>
+                <a:lumMod val="98000"/>
+              </a:schemeClr>
+            </a:gs>
+          </a:gsLst>
+          <a:path path="circle">
+            <a:fillToRect l="50000" t="50000" r="100000" b="100000"/>
+          </a:path>
+        </a:gradFill>
+        <a:effectLst/>
+      </p:bgPr>
+    </p:bg>
+    <p:spTree>
+      <p:nvGrpSpPr>
+        <p:cNvPr id="1" name=""/>
+        <p:cNvGrpSpPr/>
+        <p:nvPr/>
+      </p:nvGrpSpPr>
+      <p:grpSpPr>
+        <a:xfrm>
+          <a:off x="0" y="0"/>
+          <a:ext cx="0" cy="0"/>
+          <a:chOff x="0" y="0"/>
+          <a:chExt cx="0" cy="0"/>
+        </a:xfrm>
+      </p:grpSpPr>
+      <p:sp>
+        <p:nvSpPr>
+          <p:cNvPr id="2" name="Titel 1">
+            <a:extLst>
+              <a:ext uri="{FF2B5EF4-FFF2-40B4-BE49-F238E27FC236}">
+                <a16:creationId xmlns:a16="http://schemas.microsoft.com/office/drawing/2014/main" id="{0A9BA558-93AC-4851-83EF-47FA96510812}"/>
+              </a:ext>
+            </a:extLst>
+          </p:cNvPr>
+          <p:cNvSpPr>
+            <a:spLocks noGrp="1"/>
+          </p:cNvSpPr>
+          <p:nvPr>
+            <p:ph type="title"/>
+          </p:nvPr>
+        </p:nvSpPr>
+        <p:spPr>
+          <a:xfrm>
+            <a:off x="1687669" y="624110"/>
+            <a:ext cx="4137059" cy="1280890"/>
+          </a:xfrm>
+        </p:spPr>
+        <p:txBody>
+          <a:bodyPr>
+            <a:normAutofit/>
+          </a:bodyPr>
+          <a:lstStyle/>
+          <a:p>
+            <a:r>
+              <a:rPr lang="da-DK" sz="2200"/>
+              <a:t>Synkroniseringsmekanismer</a:t>
+            </a:r>
+            <a:endParaRPr lang="en-US" sz="2200"/>
+          </a:p>
+        </p:txBody>
+      </p:sp>
+      <p:sp>
+        <p:nvSpPr>
+          <p:cNvPr id="3" name="Pladsholder til indhold 2">
+            <a:extLst>
+              <a:ext uri="{FF2B5EF4-FFF2-40B4-BE49-F238E27FC236}">
+                <a16:creationId xmlns:a16="http://schemas.microsoft.com/office/drawing/2014/main" id="{936FA97A-5824-46EF-8DD4-24DD5261EC22}"/>
+              </a:ext>
+            </a:extLst>
+          </p:cNvPr>
+          <p:cNvSpPr>
+            <a:spLocks noGrp="1"/>
+          </p:cNvSpPr>
+          <p:nvPr>
+            <p:ph idx="1"/>
+          </p:nvPr>
+        </p:nvSpPr>
+        <p:spPr>
+          <a:xfrm>
+            <a:off x="1394707" y="2180634"/>
+            <a:ext cx="4140772" cy="3777622"/>
+          </a:xfrm>
+        </p:spPr>
+        <p:txBody>
+          <a:bodyPr>
+            <a:normAutofit/>
+          </a:bodyPr>
+          <a:lstStyle/>
+          <a:p>
+            <a:r>
+              <a:rPr lang="da-DK" sz="1600" dirty="0">
+                <a:solidFill>
+                  <a:srgbClr val="000000"/>
+                </a:solidFill>
+              </a:rPr>
+              <a:t>kontrollerer hvordan ressourcer tilgås</a:t>
+            </a:r>
+          </a:p>
+          <a:p>
+            <a:pPr lvl="1"/>
+            <a:endParaRPr lang="da-DK" sz="1400" dirty="0">
+              <a:solidFill>
+                <a:srgbClr val="000000"/>
+              </a:solidFill>
+            </a:endParaRPr>
+          </a:p>
+          <a:p>
+            <a:r>
+              <a:rPr lang="da-DK" sz="1600" dirty="0">
+                <a:solidFill>
+                  <a:srgbClr val="000000"/>
+                </a:solidFill>
+              </a:rPr>
+              <a:t>Løser Race </a:t>
+            </a:r>
+            <a:r>
+              <a:rPr lang="da-DK" sz="1600" dirty="0" err="1">
+                <a:solidFill>
+                  <a:srgbClr val="000000"/>
+                </a:solidFill>
+              </a:rPr>
+              <a:t>Conditions</a:t>
+            </a:r>
+            <a:endParaRPr lang="da-DK" sz="1600" dirty="0">
+              <a:solidFill>
+                <a:srgbClr val="000000"/>
+              </a:solidFill>
+            </a:endParaRPr>
+          </a:p>
+          <a:p>
+            <a:r>
+              <a:rPr lang="da-DK" sz="1600" dirty="0">
+                <a:solidFill>
+                  <a:srgbClr val="000000"/>
+                </a:solidFill>
+              </a:rPr>
+              <a:t>Gør det muligt at Dead Locks, Live Locks og </a:t>
+            </a:r>
+            <a:r>
+              <a:rPr lang="da-DK" sz="1600" dirty="0" err="1">
+                <a:solidFill>
+                  <a:srgbClr val="000000"/>
+                </a:solidFill>
+              </a:rPr>
+              <a:t>Starvation</a:t>
+            </a:r>
+            <a:r>
+              <a:rPr lang="da-DK" sz="1600" dirty="0">
+                <a:solidFill>
+                  <a:srgbClr val="000000"/>
+                </a:solidFill>
+              </a:rPr>
+              <a:t> opstår.</a:t>
+            </a:r>
+            <a:endParaRPr lang="en-US" sz="1600" dirty="0">
+              <a:solidFill>
+                <a:srgbClr val="000000"/>
+              </a:solidFill>
+            </a:endParaRPr>
+          </a:p>
+        </p:txBody>
+      </p:sp>
+      <p:pic>
+        <p:nvPicPr>
+          <p:cNvPr id="8194" name="Picture 2" descr="Billedresultat for threading programming meme">
+            <a:extLst>
+              <a:ext uri="{FF2B5EF4-FFF2-40B4-BE49-F238E27FC236}">
+                <a16:creationId xmlns:a16="http://schemas.microsoft.com/office/drawing/2014/main" id="{D01E26EE-11DD-4B87-ADAF-9A4C2C83A27D}"/>
+              </a:ext>
+            </a:extLst>
+          </p:cNvPr>
+          <p:cNvPicPr>
+            <a:picLocks noChangeAspect="1" noChangeArrowheads="1"/>
+          </p:cNvPicPr>
+          <p:nvPr/>
+        </p:nvPicPr>
+        <p:blipFill>
+          <a:blip r:embed="rId2">
+            <a:extLst>
+              <a:ext uri="{28A0092B-C50C-407E-A947-70E740481C1C}">
+                <a14:useLocalDpi xmlns:a14="http://schemas.microsoft.com/office/drawing/2010/main" val="0"/>
+              </a:ext>
+            </a:extLst>
+          </a:blip>
+          <a:srcRect/>
+          <a:stretch>
+            <a:fillRect/>
+          </a:stretch>
+        </p:blipFill>
+        <p:spPr bwMode="auto">
+          <a:xfrm>
+            <a:off x="5701005" y="926601"/>
+            <a:ext cx="6337062" cy="5307289"/>
+          </a:xfrm>
+          <a:prstGeom prst="rect">
+            <a:avLst/>
+          </a:prstGeom>
+          <a:noFill/>
+          <a:extLst>
+            <a:ext uri="{909E8E84-426E-40DD-AFC4-6F175D3DCCD1}">
+              <a14:hiddenFill xmlns:a14="http://schemas.microsoft.com/office/drawing/2010/main">
+                <a:solidFill>
+                  <a:srgbClr val="FFFFFF"/>
+                </a:solidFill>
+              </a14:hiddenFill>
+            </a:ext>
+          </a:extLst>
+        </p:spPr>
+      </p:pic>
+      <p:pic>
+        <p:nvPicPr>
+          <p:cNvPr id="4" name="Billede 3">
+            <a:extLst>
+              <a:ext uri="{FF2B5EF4-FFF2-40B4-BE49-F238E27FC236}">
+                <a16:creationId xmlns:a16="http://schemas.microsoft.com/office/drawing/2014/main" id="{30021D30-A48A-4399-9C69-EFDC1DEE432F}"/>
+              </a:ext>
+            </a:extLst>
+          </p:cNvPr>
+          <p:cNvPicPr>
+            <a:picLocks noChangeAspect="1"/>
+          </p:cNvPicPr>
+          <p:nvPr/>
+        </p:nvPicPr>
+        <p:blipFill>
+          <a:blip r:embed="rId3"/>
+          <a:stretch>
+            <a:fillRect/>
+          </a:stretch>
+        </p:blipFill>
+        <p:spPr>
+          <a:xfrm>
+            <a:off x="9718322" y="1562493"/>
+            <a:ext cx="1557534" cy="4624530"/>
+          </a:xfrm>
+          <a:prstGeom prst="rect">
+            <a:avLst/>
+          </a:prstGeom>
+        </p:spPr>
+      </p:pic>
+      <p:pic>
+        <p:nvPicPr>
+          <p:cNvPr id="5" name="Billede 4">
+            <a:extLst>
+              <a:ext uri="{FF2B5EF4-FFF2-40B4-BE49-F238E27FC236}">
+                <a16:creationId xmlns:a16="http://schemas.microsoft.com/office/drawing/2014/main" id="{67CE2B14-13F9-4099-8224-C5B615F46F80}"/>
+              </a:ext>
+            </a:extLst>
+          </p:cNvPr>
+          <p:cNvPicPr>
+            <a:picLocks noChangeAspect="1"/>
+          </p:cNvPicPr>
+          <p:nvPr/>
+        </p:nvPicPr>
+        <p:blipFill>
+          <a:blip r:embed="rId4"/>
+          <a:stretch>
+            <a:fillRect/>
+          </a:stretch>
+        </p:blipFill>
+        <p:spPr>
+          <a:xfrm>
+            <a:off x="6367274" y="1595972"/>
+            <a:ext cx="1609725" cy="4591050"/>
+          </a:xfrm>
+          <a:prstGeom prst="rect">
+            <a:avLst/>
+          </a:prstGeom>
+        </p:spPr>
+      </p:pic>
+    </p:spTree>
+    <p:extLst>
+      <p:ext uri="{BB962C8B-B14F-4D97-AF65-F5344CB8AC3E}">
+        <p14:creationId xmlns:p14="http://schemas.microsoft.com/office/powerpoint/2010/main" val="983159408"/>
+      </p:ext>
+    </p:extLst>
+  </p:cSld>
+  <p:clrMapOvr>
+    <a:masterClrMapping/>
+  </p:clrMapOvr>
+</p:sld>
+</file>
+
+<file path=ppt/slides/slide12.xml><?xml version="1.0" encoding="utf-8"?>
+<p:sld xmlns:a="http://schemas.openxmlformats.org/drawingml/2006/main" xmlns:r="http://schemas.openxmlformats.org/officeDocument/2006/relationships" xmlns:p="http://schemas.openxmlformats.org/presentationml/2006/main">
+  <p:cSld>
     <p:spTree>
       <p:nvGrpSpPr>
         <p:cNvPr id="1" name=""/>
@@ -10441,7 +10990,7 @@
 </p:sld>
 </file>
 
-<file path=ppt/slides/slide11.xml><?xml version="1.0" encoding="utf-8"?>
+<file path=ppt/slides/slide13.xml><?xml version="1.0" encoding="utf-8"?>
 <p:sld xmlns:a="http://schemas.openxmlformats.org/drawingml/2006/main" xmlns:r="http://schemas.openxmlformats.org/officeDocument/2006/relationships" xmlns:p="http://schemas.openxmlformats.org/presentationml/2006/main">
   <p:cSld>
     <p:spTree>
@@ -10463,6 +11012,249 @@
           <p:cNvPr id="2" name="Titel 1">
             <a:extLst>
               <a:ext uri="{FF2B5EF4-FFF2-40B4-BE49-F238E27FC236}">
+                <a16:creationId xmlns:a16="http://schemas.microsoft.com/office/drawing/2014/main" id="{0A9BA558-93AC-4851-83EF-47FA96510812}"/>
+              </a:ext>
+            </a:extLst>
+          </p:cNvPr>
+          <p:cNvSpPr>
+            <a:spLocks noGrp="1"/>
+          </p:cNvSpPr>
+          <p:nvPr>
+            <p:ph type="title"/>
+          </p:nvPr>
+        </p:nvSpPr>
+        <p:spPr/>
+        <p:txBody>
+          <a:bodyPr/>
+          <a:lstStyle/>
+          <a:p>
+            <a:r>
+              <a:rPr lang="da-DK" dirty="0"/>
+              <a:t>Synkroniseringsmekanismer</a:t>
+            </a:r>
+            <a:endParaRPr lang="en-US" dirty="0"/>
+          </a:p>
+        </p:txBody>
+      </p:sp>
+      <p:sp>
+        <p:nvSpPr>
+          <p:cNvPr id="3" name="Pladsholder til indhold 2">
+            <a:extLst>
+              <a:ext uri="{FF2B5EF4-FFF2-40B4-BE49-F238E27FC236}">
+                <a16:creationId xmlns:a16="http://schemas.microsoft.com/office/drawing/2014/main" id="{936FA97A-5824-46EF-8DD4-24DD5261EC22}"/>
+              </a:ext>
+            </a:extLst>
+          </p:cNvPr>
+          <p:cNvSpPr>
+            <a:spLocks noGrp="1"/>
+          </p:cNvSpPr>
+          <p:nvPr>
+            <p:ph idx="1"/>
+          </p:nvPr>
+        </p:nvSpPr>
+        <p:spPr/>
+        <p:txBody>
+          <a:bodyPr>
+            <a:normAutofit fontScale="92500" lnSpcReduction="10000"/>
+          </a:bodyPr>
+          <a:lstStyle/>
+          <a:p>
+            <a:r>
+              <a:rPr lang="da-DK" dirty="0"/>
+              <a:t>Lock</a:t>
+            </a:r>
+          </a:p>
+          <a:p>
+            <a:pPr lvl="1"/>
+            <a:r>
+              <a:rPr lang="da-DK" dirty="0"/>
+              <a:t>Aflåser indkapslede kode</a:t>
+            </a:r>
+          </a:p>
+          <a:p>
+            <a:pPr lvl="1"/>
+            <a:r>
+              <a:rPr lang="da-DK" dirty="0"/>
+              <a:t>Bruger objekter som låse</a:t>
+            </a:r>
+          </a:p>
+          <a:p>
+            <a:r>
+              <a:rPr lang="da-DK" dirty="0" err="1"/>
+              <a:t>Mutex</a:t>
+            </a:r>
+            <a:endParaRPr lang="da-DK" dirty="0"/>
+          </a:p>
+          <a:p>
+            <a:pPr lvl="1"/>
+            <a:r>
+              <a:rPr lang="da-DK" dirty="0"/>
+              <a:t>Bruger ”Start/Stop” metoder</a:t>
+            </a:r>
+          </a:p>
+          <a:p>
+            <a:pPr lvl="1"/>
+            <a:r>
+              <a:rPr lang="da-DK" dirty="0"/>
+              <a:t>Virker på tværs af processor</a:t>
+            </a:r>
+          </a:p>
+          <a:p>
+            <a:pPr lvl="1"/>
+            <a:r>
+              <a:rPr lang="da-DK" dirty="0" err="1"/>
+              <a:t>WaitOne</a:t>
+            </a:r>
+            <a:r>
+              <a:rPr lang="da-DK" dirty="0"/>
+              <a:t>(100) – </a:t>
+            </a:r>
+            <a:r>
+              <a:rPr lang="da-DK" dirty="0" err="1"/>
+              <a:t>mutex</a:t>
+            </a:r>
+            <a:r>
+              <a:rPr lang="da-DK" dirty="0"/>
+              <a:t> kan bestemme hvor lang tid den vil vente</a:t>
+            </a:r>
+          </a:p>
+          <a:p>
+            <a:r>
+              <a:rPr lang="da-DK" dirty="0"/>
+              <a:t>Semafor</a:t>
+            </a:r>
+          </a:p>
+          <a:p>
+            <a:pPr lvl="1"/>
+            <a:r>
+              <a:rPr lang="da-DK" dirty="0"/>
+              <a:t>Tillader et bestemt antal tråde at tilgå en ressource</a:t>
+            </a:r>
+          </a:p>
+          <a:p>
+            <a:endParaRPr lang="da-DK" dirty="0"/>
+          </a:p>
+          <a:p>
+            <a:r>
+              <a:rPr lang="da-DK" dirty="0" err="1"/>
+              <a:t>Barrier</a:t>
+            </a:r>
+            <a:endParaRPr lang="en-US" dirty="0"/>
+          </a:p>
+        </p:txBody>
+      </p:sp>
+      <p:pic>
+        <p:nvPicPr>
+          <p:cNvPr id="9218" name="Picture 2" descr="Billedresultat for you shall not pass">
+            <a:extLst>
+              <a:ext uri="{FF2B5EF4-FFF2-40B4-BE49-F238E27FC236}">
+                <a16:creationId xmlns:a16="http://schemas.microsoft.com/office/drawing/2014/main" id="{39EAD979-348D-4902-8825-0F4D6AD79693}"/>
+              </a:ext>
+            </a:extLst>
+          </p:cNvPr>
+          <p:cNvPicPr>
+            <a:picLocks noChangeAspect="1" noChangeArrowheads="1"/>
+          </p:cNvPicPr>
+          <p:nvPr/>
+        </p:nvPicPr>
+        <p:blipFill>
+          <a:blip r:embed="rId2">
+            <a:extLst>
+              <a:ext uri="{28A0092B-C50C-407E-A947-70E740481C1C}">
+                <a14:useLocalDpi xmlns:a14="http://schemas.microsoft.com/office/drawing/2010/main" val="0"/>
+              </a:ext>
+            </a:extLst>
+          </a:blip>
+          <a:srcRect/>
+          <a:stretch>
+            <a:fillRect/>
+          </a:stretch>
+        </p:blipFill>
+        <p:spPr bwMode="auto">
+          <a:xfrm>
+            <a:off x="9149473" y="244789"/>
+            <a:ext cx="2515834" cy="3777622"/>
+          </a:xfrm>
+          <a:prstGeom prst="rect">
+            <a:avLst/>
+          </a:prstGeom>
+          <a:noFill/>
+          <a:extLst>
+            <a:ext uri="{909E8E84-426E-40DD-AFC4-6F175D3DCCD1}">
+              <a14:hiddenFill xmlns:a14="http://schemas.microsoft.com/office/drawing/2010/main">
+                <a:solidFill>
+                  <a:srgbClr val="FFFFFF"/>
+                </a:solidFill>
+              </a14:hiddenFill>
+            </a:ext>
+          </a:extLst>
+        </p:spPr>
+      </p:pic>
+      <p:pic>
+        <p:nvPicPr>
+          <p:cNvPr id="4" name="Billede 3">
+            <a:extLst>
+              <a:ext uri="{FF2B5EF4-FFF2-40B4-BE49-F238E27FC236}">
+                <a16:creationId xmlns:a16="http://schemas.microsoft.com/office/drawing/2014/main" id="{4BFAD4E3-9463-47ED-A79F-BD9487CC79D0}"/>
+              </a:ext>
+            </a:extLst>
+          </p:cNvPr>
+          <p:cNvPicPr>
+            <a:picLocks noChangeAspect="1"/>
+          </p:cNvPicPr>
+          <p:nvPr/>
+        </p:nvPicPr>
+        <p:blipFill>
+          <a:blip r:embed="rId3"/>
+          <a:stretch>
+            <a:fillRect/>
+          </a:stretch>
+        </p:blipFill>
+        <p:spPr>
+          <a:xfrm>
+            <a:off x="3945298" y="2063621"/>
+            <a:ext cx="5200238" cy="3777622"/>
+          </a:xfrm>
+          <a:prstGeom prst="rect">
+            <a:avLst/>
+          </a:prstGeom>
+        </p:spPr>
+      </p:pic>
+    </p:spTree>
+    <p:extLst>
+      <p:ext uri="{BB962C8B-B14F-4D97-AF65-F5344CB8AC3E}">
+        <p14:creationId xmlns:p14="http://schemas.microsoft.com/office/powerpoint/2010/main" val="1955537364"/>
+      </p:ext>
+    </p:extLst>
+  </p:cSld>
+  <p:clrMapOvr>
+    <a:masterClrMapping/>
+  </p:clrMapOvr>
+</p:sld>
+</file>
+
+<file path=ppt/slides/slide14.xml><?xml version="1.0" encoding="utf-8"?>
+<p:sld xmlns:a="http://schemas.openxmlformats.org/drawingml/2006/main" xmlns:r="http://schemas.openxmlformats.org/officeDocument/2006/relationships" xmlns:p="http://schemas.openxmlformats.org/presentationml/2006/main">
+  <p:cSld>
+    <p:spTree>
+      <p:nvGrpSpPr>
+        <p:cNvPr id="1" name=""/>
+        <p:cNvGrpSpPr/>
+        <p:nvPr/>
+      </p:nvGrpSpPr>
+      <p:grpSpPr>
+        <a:xfrm>
+          <a:off x="0" y="0"/>
+          <a:ext cx="0" cy="0"/>
+          <a:chOff x="0" y="0"/>
+          <a:chExt cx="0" cy="0"/>
+        </a:xfrm>
+      </p:grpSpPr>
+      <p:sp>
+        <p:nvSpPr>
+          <p:cNvPr id="2" name="Titel 1">
+            <a:extLst>
+              <a:ext uri="{FF2B5EF4-FFF2-40B4-BE49-F238E27FC236}">
                 <a16:creationId xmlns:a16="http://schemas.microsoft.com/office/drawing/2014/main" id="{5393B847-4D58-4D99-A5C9-6E8AF7C835CA}"/>
               </a:ext>
             </a:extLst>
@@ -10504,7 +11296,7 @@
           <a:bodyPr/>
           <a:lstStyle/>
           <a:p>
-            <a:endParaRPr lang="en-US"/>
+            <a:endParaRPr lang="en-US" dirty="0"/>
           </a:p>
         </p:txBody>
       </p:sp>
@@ -10551,7 +11343,7 @@
 </p:sld>
 </file>
 
-<file path=ppt/slides/slide12.xml><?xml version="1.0" encoding="utf-8"?>
+<file path=ppt/slides/slide15.xml><?xml version="1.0" encoding="utf-8"?>
 <p:sld xmlns:a="http://schemas.openxmlformats.org/drawingml/2006/main" xmlns:r="http://schemas.openxmlformats.org/officeDocument/2006/relationships" xmlns:p="http://schemas.openxmlformats.org/presentationml/2006/main">
   <p:cSld>
     <p:bg>
@@ -10777,7 +11569,7 @@
 </p:sld>
 </file>
 
-<file path=ppt/slides/slide13.xml><?xml version="1.0" encoding="utf-8"?>
+<file path=ppt/slides/slide16.xml><?xml version="1.0" encoding="utf-8"?>
 <p:sld xmlns:a="http://schemas.openxmlformats.org/drawingml/2006/main" xmlns:r="http://schemas.openxmlformats.org/officeDocument/2006/relationships" xmlns:p="http://schemas.openxmlformats.org/presentationml/2006/main">
   <p:cSld>
     <p:spTree>
@@ -10943,226 +11735,7 @@
 </p:sld>
 </file>
 
-<file path=ppt/slides/slide2.xml><?xml version="1.0" encoding="utf-8"?>
-<p:sld xmlns:a="http://schemas.openxmlformats.org/drawingml/2006/main" xmlns:r="http://schemas.openxmlformats.org/officeDocument/2006/relationships" xmlns:p="http://schemas.openxmlformats.org/presentationml/2006/main">
-  <p:cSld>
-    <p:bg>
-      <p:bgPr>
-        <a:gradFill rotWithShape="1">
-          <a:gsLst>
-            <a:gs pos="0">
-              <a:schemeClr val="bg2">
-                <a:tint val="90000"/>
-                <a:satMod val="92000"/>
-                <a:lumMod val="120000"/>
-              </a:schemeClr>
-            </a:gs>
-            <a:gs pos="100000">
-              <a:schemeClr val="bg2">
-                <a:shade val="98000"/>
-                <a:satMod val="120000"/>
-                <a:lumMod val="98000"/>
-              </a:schemeClr>
-            </a:gs>
-          </a:gsLst>
-          <a:path path="circle">
-            <a:fillToRect l="50000" t="50000" r="100000" b="100000"/>
-          </a:path>
-        </a:gradFill>
-        <a:effectLst/>
-      </p:bgPr>
-    </p:bg>
-    <p:spTree>
-      <p:nvGrpSpPr>
-        <p:cNvPr id="1" name=""/>
-        <p:cNvGrpSpPr/>
-        <p:nvPr/>
-      </p:nvGrpSpPr>
-      <p:grpSpPr>
-        <a:xfrm>
-          <a:off x="0" y="0"/>
-          <a:ext cx="0" cy="0"/>
-          <a:chOff x="0" y="0"/>
-          <a:chExt cx="0" cy="0"/>
-        </a:xfrm>
-      </p:grpSpPr>
-      <p:sp>
-        <p:nvSpPr>
-          <p:cNvPr id="2" name="Titel 1">
-            <a:extLst>
-              <a:ext uri="{FF2B5EF4-FFF2-40B4-BE49-F238E27FC236}">
-                <a16:creationId xmlns:a16="http://schemas.microsoft.com/office/drawing/2014/main" id="{E74D7BCB-DC1D-448D-A9AE-B81D1F8B9F3B}"/>
-              </a:ext>
-            </a:extLst>
-          </p:cNvPr>
-          <p:cNvSpPr>
-            <a:spLocks noGrp="1"/>
-          </p:cNvSpPr>
-          <p:nvPr>
-            <p:ph type="title"/>
-          </p:nvPr>
-        </p:nvSpPr>
-        <p:spPr>
-          <a:xfrm>
-            <a:off x="1687669" y="624110"/>
-            <a:ext cx="4137059" cy="1280890"/>
-          </a:xfrm>
-        </p:spPr>
-        <p:txBody>
-          <a:bodyPr>
-            <a:normAutofit/>
-          </a:bodyPr>
-          <a:lstStyle/>
-          <a:p>
-            <a:r>
-              <a:rPr lang="da-DK" sz="3200"/>
-              <a:t>Hvad er tråde?</a:t>
-            </a:r>
-            <a:endParaRPr lang="en-US" sz="3200"/>
-          </a:p>
-        </p:txBody>
-      </p:sp>
-      <p:sp>
-        <p:nvSpPr>
-          <p:cNvPr id="5" name="Pladsholder til indhold 4">
-            <a:extLst>
-              <a:ext uri="{FF2B5EF4-FFF2-40B4-BE49-F238E27FC236}">
-                <a16:creationId xmlns:a16="http://schemas.microsoft.com/office/drawing/2014/main" id="{C81F17B2-BEE8-476C-A751-DD4189E21357}"/>
-              </a:ext>
-            </a:extLst>
-          </p:cNvPr>
-          <p:cNvSpPr>
-            <a:spLocks noGrp="1"/>
-          </p:cNvSpPr>
-          <p:nvPr>
-            <p:ph idx="1"/>
-          </p:nvPr>
-        </p:nvSpPr>
-        <p:spPr>
-          <a:xfrm>
-            <a:off x="1683956" y="2133600"/>
-            <a:ext cx="4140772" cy="3777622"/>
-          </a:xfrm>
-        </p:spPr>
-        <p:txBody>
-          <a:bodyPr>
-            <a:normAutofit/>
-          </a:bodyPr>
-          <a:lstStyle/>
-          <a:p>
-            <a:r>
-              <a:rPr lang="da-DK" sz="1600" dirty="0">
-                <a:solidFill>
-                  <a:srgbClr val="000000"/>
-                </a:solidFill>
-              </a:rPr>
-              <a:t>En tråd tillader at en </a:t>
-            </a:r>
-            <a:r>
-              <a:rPr lang="da-DK" sz="1600" dirty="0" err="1">
-                <a:solidFill>
-                  <a:srgbClr val="000000"/>
-                </a:solidFill>
-              </a:rPr>
-              <a:t>process</a:t>
-            </a:r>
-            <a:r>
-              <a:rPr lang="da-DK" sz="1600" dirty="0">
-                <a:solidFill>
-                  <a:srgbClr val="000000"/>
-                </a:solidFill>
-              </a:rPr>
-              <a:t> (app) kan køre forskellige dele parallelt</a:t>
-            </a:r>
-          </a:p>
-          <a:p>
-            <a:endParaRPr lang="da-DK" sz="1600" dirty="0">
-              <a:solidFill>
-                <a:srgbClr val="000000"/>
-              </a:solidFill>
-            </a:endParaRPr>
-          </a:p>
-          <a:p>
-            <a:r>
-              <a:rPr lang="da-DK" sz="1600" dirty="0">
-                <a:solidFill>
-                  <a:srgbClr val="000000"/>
-                </a:solidFill>
-              </a:rPr>
-              <a:t>Mange fordele. Mange Ulemper.</a:t>
-            </a:r>
-          </a:p>
-          <a:p>
-            <a:pPr marL="0" indent="0">
-              <a:buNone/>
-            </a:pPr>
-            <a:endParaRPr lang="en-US" sz="1600" dirty="0">
-              <a:solidFill>
-                <a:srgbClr val="000000"/>
-              </a:solidFill>
-            </a:endParaRPr>
-          </a:p>
-        </p:txBody>
-      </p:sp>
-      <p:pic>
-        <p:nvPicPr>
-          <p:cNvPr id="2053" name="Picture 2" descr="Billedresultat for complicated road junctions">
-            <a:extLst>
-              <a:ext uri="{FF2B5EF4-FFF2-40B4-BE49-F238E27FC236}">
-                <a16:creationId xmlns:a16="http://schemas.microsoft.com/office/drawing/2014/main" id="{F0F1D425-EC2A-4837-9634-49A1F1996B75}"/>
-              </a:ext>
-            </a:extLst>
-          </p:cNvPr>
-          <p:cNvPicPr>
-            <a:picLocks noChangeAspect="1" noChangeArrowheads="1"/>
-          </p:cNvPicPr>
-          <p:nvPr/>
-        </p:nvPicPr>
-        <p:blipFill rotWithShape="1">
-          <a:blip r:embed="rId2">
-            <a:extLst>
-              <a:ext uri="{28A0092B-C50C-407E-A947-70E740481C1C}">
-                <a14:useLocalDpi xmlns:a14="http://schemas.microsoft.com/office/drawing/2010/main" val="0"/>
-              </a:ext>
-            </a:extLst>
-          </a:blip>
-          <a:srcRect l="23455" r="187" b="-3"/>
-          <a:stretch/>
-        </p:blipFill>
-        <p:spPr bwMode="auto">
-          <a:xfrm>
-            <a:off x="6091916" y="645106"/>
-            <a:ext cx="5451627" cy="5247747"/>
-          </a:xfrm>
-          <a:prstGeom prst="rect">
-            <a:avLst/>
-          </a:prstGeom>
-          <a:noFill/>
-          <a:extLst>
-            <a:ext uri="{909E8E84-426E-40DD-AFC4-6F175D3DCCD1}">
-              <a14:hiddenFill xmlns:a14="http://schemas.microsoft.com/office/drawing/2010/main">
-                <a:solidFill>
-                  <a:srgbClr val="FFFFFF"/>
-                </a:solidFill>
-              </a14:hiddenFill>
-            </a:ext>
-          </a:extLst>
-        </p:spPr>
-      </p:pic>
-    </p:spTree>
-    <p:extLst>
-      <p:ext uri="{BB962C8B-B14F-4D97-AF65-F5344CB8AC3E}">
-        <p14:creationId xmlns:p14="http://schemas.microsoft.com/office/powerpoint/2010/main" val="2760753411"/>
-      </p:ext>
-    </p:extLst>
-  </p:cSld>
-  <p:clrMapOvr>
-    <a:masterClrMapping/>
-  </p:clrMapOvr>
-</p:sld>
-</file>
-
-<file path=ppt/slides/slide3.xml><?xml version="1.0" encoding="utf-8"?>
+<file path=ppt/slides/slide17.xml><?xml version="1.0" encoding="utf-8"?>
 <p:sld xmlns:a="http://schemas.openxmlformats.org/drawingml/2006/main" xmlns:r="http://schemas.openxmlformats.org/officeDocument/2006/relationships" xmlns:p="http://schemas.openxmlformats.org/presentationml/2006/main">
   <p:cSld>
     <p:bg>
@@ -11210,7 +11783,7 @@
           <p:cNvPr id="71" name="Rectangle 70">
             <a:extLst>
               <a:ext uri="{FF2B5EF4-FFF2-40B4-BE49-F238E27FC236}">
-                <a16:creationId xmlns:a16="http://schemas.microsoft.com/office/drawing/2014/main" id="{B5898079-081F-4617-AC6B-4290266737B3}"/>
+                <a16:creationId xmlns:a16="http://schemas.microsoft.com/office/drawing/2014/main" id="{B2EC7880-C5D9-40A8-A6B0-3198AD07AD1B}"/>
               </a:ext>
               <a:ext uri="{C183D7F6-B498-43B3-948B-1728B52AA6E4}">
                 <adec:decorative xmlns:adec="http://schemas.microsoft.com/office/drawing/2017/decorative" val="1"/>
@@ -11270,7 +11843,7 @@
           <p:cNvPr id="2" name="Titel 1">
             <a:extLst>
               <a:ext uri="{FF2B5EF4-FFF2-40B4-BE49-F238E27FC236}">
-                <a16:creationId xmlns:a16="http://schemas.microsoft.com/office/drawing/2014/main" id="{FAA70924-A8D7-4D10-A259-09FC8C5D1CF5}"/>
+                <a16:creationId xmlns:a16="http://schemas.microsoft.com/office/drawing/2014/main" id="{FB4B6070-621B-43B3-A166-57CF70AF7E94}"/>
               </a:ext>
             </a:extLst>
           </p:cNvPr>
@@ -11284,7 +11857,7 @@
         <p:spPr>
           <a:xfrm>
             <a:off x="649224" y="645106"/>
-            <a:ext cx="5122652" cy="1259894"/>
+            <a:ext cx="3650279" cy="1259894"/>
           </a:xfrm>
         </p:spPr>
         <p:txBody>
@@ -11294,10 +11867,10 @@
           <a:lstStyle/>
           <a:p>
             <a:r>
-              <a:rPr lang="da-DK"/>
-              <a:t>Single Thread</a:t>
-            </a:r>
-            <a:endParaRPr lang="en-US"/>
+              <a:rPr lang="da-DK" dirty="0" err="1"/>
+              <a:t>LiveLock</a:t>
+            </a:r>
+            <a:endParaRPr lang="en-US" dirty="0"/>
           </a:p>
         </p:txBody>
       </p:sp>
@@ -11306,7 +11879,7 @@
           <p:cNvPr id="73" name="Rectangle 72">
             <a:extLst>
               <a:ext uri="{FF2B5EF4-FFF2-40B4-BE49-F238E27FC236}">
-                <a16:creationId xmlns:a16="http://schemas.microsoft.com/office/drawing/2014/main" id="{BB829EC8-5B3D-469E-942E-5E6E569E5C9B}"/>
+                <a16:creationId xmlns:a16="http://schemas.microsoft.com/office/drawing/2014/main" id="{94543A62-A2AB-454A-878E-D3D9190D5FC7}"/>
               </a:ext>
               <a:ext uri="{C183D7F6-B498-43B3-948B-1728B52AA6E4}">
                 <adec:decorative xmlns:adec="http://schemas.microsoft.com/office/drawing/2017/decorative" val="1"/>
@@ -11360,7 +11933,7 @@
           <p:cNvPr id="3" name="Pladsholder til indhold 2">
             <a:extLst>
               <a:ext uri="{FF2B5EF4-FFF2-40B4-BE49-F238E27FC236}">
-                <a16:creationId xmlns:a16="http://schemas.microsoft.com/office/drawing/2014/main" id="{FDE3E7A6-7E49-47B8-B425-ABA3E10DD18E}"/>
+                <a16:creationId xmlns:a16="http://schemas.microsoft.com/office/drawing/2014/main" id="{D89780EA-2408-4FC6-8CBA-A600DBC81F70}"/>
               </a:ext>
             </a:extLst>
           </p:cNvPr>
@@ -11373,8 +11946,8 @@
         </p:nvSpPr>
         <p:spPr>
           <a:xfrm>
-            <a:off x="649225" y="2133600"/>
-            <a:ext cx="5122652" cy="3759253"/>
+            <a:off x="649224" y="1595536"/>
+            <a:ext cx="4230685" cy="4297318"/>
           </a:xfrm>
         </p:spPr>
         <p:txBody>
@@ -11385,36 +11958,31 @@
           <a:p>
             <a:r>
               <a:rPr lang="da-DK" dirty="0"/>
-              <a:t>”Main” – min. 1 tråd</a:t>
-            </a:r>
-          </a:p>
-          <a:p>
-            <a:r>
-              <a:rPr lang="da-DK" dirty="0"/>
-              <a:t>Køres sekventielt</a:t>
-            </a:r>
-          </a:p>
-          <a:p>
-            <a:r>
-              <a:rPr lang="da-DK" dirty="0"/>
-              <a:t>Skaber ”kø”</a:t>
-            </a:r>
-          </a:p>
-          <a:p>
-            <a:pPr lvl="1"/>
-            <a:r>
-              <a:rPr lang="da-DK" dirty="0"/>
-              <a:t>Skal vente på ”tunge” metoder</a:t>
-            </a:r>
+              <a:t>Ofte resultatet af flere tråde som aktivt prøver at undgå </a:t>
+            </a:r>
+            <a:r>
+              <a:rPr lang="da-DK" dirty="0" err="1"/>
+              <a:t>Deadlock</a:t>
+            </a:r>
+            <a:endParaRPr lang="da-DK" dirty="0"/>
+          </a:p>
+          <a:p>
+            <a:endParaRPr lang="da-DK" dirty="0"/>
+          </a:p>
+          <a:p>
+            <a:pPr marL="0" indent="0">
+              <a:buNone/>
+            </a:pPr>
+            <a:endParaRPr lang="en-US" dirty="0"/>
           </a:p>
         </p:txBody>
       </p:sp>
       <p:pic>
         <p:nvPicPr>
-          <p:cNvPr id="3074" name="Picture 2" descr="Billedresultat for landevej traktor">
+          <p:cNvPr id="3074" name="Picture 2" descr="Billedresultat for what is live lock">
             <a:extLst>
               <a:ext uri="{FF2B5EF4-FFF2-40B4-BE49-F238E27FC236}">
-                <a16:creationId xmlns:a16="http://schemas.microsoft.com/office/drawing/2014/main" id="{2D4516F3-A000-4A6F-A536-8EA251E46038}"/>
+                <a16:creationId xmlns:a16="http://schemas.microsoft.com/office/drawing/2014/main" id="{3A023FBA-7E6D-4E9A-86A0-390F5DB0F938}"/>
               </a:ext>
             </a:extLst>
           </p:cNvPr>
@@ -11423,7 +11991,7 @@
           </p:cNvPicPr>
           <p:nvPr/>
         </p:nvPicPr>
-        <p:blipFill>
+        <p:blipFill rotWithShape="1">
           <a:blip r:embed="rId2">
             <a:extLst>
               <a:ext uri="{28A0092B-C50C-407E-A947-70E740481C1C}">
@@ -11431,15 +11999,13 @@
               </a:ext>
             </a:extLst>
           </a:blip>
-          <a:srcRect/>
-          <a:stretch>
-            <a:fillRect/>
-          </a:stretch>
+          <a:srcRect l="2918" r="1107"/>
+          <a:stretch/>
         </p:blipFill>
         <p:spPr bwMode="auto">
           <a:xfrm>
-            <a:off x="6412892" y="187906"/>
-            <a:ext cx="4797921" cy="2698831"/>
+            <a:off x="5104735" y="808450"/>
+            <a:ext cx="6953577" cy="5252773"/>
           </a:xfrm>
           <a:prstGeom prst="rect">
             <a:avLst/>
@@ -11456,42 +12022,12 @@
           </a:extLst>
         </p:spPr>
       </p:pic>
-      <p:pic>
-        <p:nvPicPr>
-          <p:cNvPr id="4" name="Billede 3">
+      <p:sp>
+        <p:nvSpPr>
+          <p:cNvPr id="75" name="Freeform 11">
             <a:extLst>
               <a:ext uri="{FF2B5EF4-FFF2-40B4-BE49-F238E27FC236}">
-                <a16:creationId xmlns:a16="http://schemas.microsoft.com/office/drawing/2014/main" id="{C5150568-ECB3-4393-902F-19882D358756}"/>
-              </a:ext>
-            </a:extLst>
-          </p:cNvPr>
-          <p:cNvPicPr>
-            <a:picLocks noChangeAspect="1"/>
-          </p:cNvPicPr>
-          <p:nvPr/>
-        </p:nvPicPr>
-        <p:blipFill>
-          <a:blip r:embed="rId3"/>
-          <a:stretch>
-            <a:fillRect/>
-          </a:stretch>
-        </p:blipFill>
-        <p:spPr>
-          <a:xfrm>
-            <a:off x="6096000" y="3075429"/>
-            <a:ext cx="5994518" cy="2817424"/>
-          </a:xfrm>
-          <a:prstGeom prst="rect">
-            <a:avLst/>
-          </a:prstGeom>
-        </p:spPr>
-      </p:pic>
-      <p:sp>
-        <p:nvSpPr>
-          <p:cNvPr id="75" name="Freeform 12">
-            <a:extLst>
-              <a:ext uri="{FF2B5EF4-FFF2-40B4-BE49-F238E27FC236}">
-                <a16:creationId xmlns:a16="http://schemas.microsoft.com/office/drawing/2014/main" id="{55D72A3F-A083-4502-838A-2C32C980026F}"/>
+                <a16:creationId xmlns:a16="http://schemas.microsoft.com/office/drawing/2014/main" id="{50553464-41F1-4160-9D02-7C5EC7013BDA}"/>
               </a:ext>
               <a:ext uri="{C183D7F6-B498-43B3-948B-1728B52AA6E4}">
                 <adec:decorative xmlns:adec="http://schemas.microsoft.com/office/drawing/2017/decorative" val="1"/>
@@ -11706,6 +12242,1172 @@
     </p:spTree>
     <p:extLst>
       <p:ext uri="{BB962C8B-B14F-4D97-AF65-F5344CB8AC3E}">
+        <p14:creationId xmlns:p14="http://schemas.microsoft.com/office/powerpoint/2010/main" val="1916397174"/>
+      </p:ext>
+    </p:extLst>
+  </p:cSld>
+  <p:clrMapOvr>
+    <a:masterClrMapping/>
+  </p:clrMapOvr>
+</p:sld>
+</file>
+
+<file path=ppt/slides/slide2.xml><?xml version="1.0" encoding="utf-8"?>
+<p:sld xmlns:a="http://schemas.openxmlformats.org/drawingml/2006/main" xmlns:r="http://schemas.openxmlformats.org/officeDocument/2006/relationships" xmlns:p="http://schemas.openxmlformats.org/presentationml/2006/main">
+  <p:cSld>
+    <p:bg>
+      <p:bgPr>
+        <a:gradFill rotWithShape="1">
+          <a:gsLst>
+            <a:gs pos="0">
+              <a:schemeClr val="bg2">
+                <a:tint val="90000"/>
+                <a:satMod val="92000"/>
+                <a:lumMod val="120000"/>
+              </a:schemeClr>
+            </a:gs>
+            <a:gs pos="100000">
+              <a:schemeClr val="bg2">
+                <a:shade val="98000"/>
+                <a:satMod val="120000"/>
+                <a:lumMod val="98000"/>
+              </a:schemeClr>
+            </a:gs>
+          </a:gsLst>
+          <a:path path="circle">
+            <a:fillToRect l="50000" t="50000" r="100000" b="100000"/>
+          </a:path>
+        </a:gradFill>
+        <a:effectLst/>
+      </p:bgPr>
+    </p:bg>
+    <p:spTree>
+      <p:nvGrpSpPr>
+        <p:cNvPr id="1" name=""/>
+        <p:cNvGrpSpPr/>
+        <p:nvPr/>
+      </p:nvGrpSpPr>
+      <p:grpSpPr>
+        <a:xfrm>
+          <a:off x="0" y="0"/>
+          <a:ext cx="0" cy="0"/>
+          <a:chOff x="0" y="0"/>
+          <a:chExt cx="0" cy="0"/>
+        </a:xfrm>
+      </p:grpSpPr>
+      <p:sp useBgFill="1">
+        <p:nvSpPr>
+          <p:cNvPr id="74" name="Rectangle 73">
+            <a:extLst>
+              <a:ext uri="{FF2B5EF4-FFF2-40B4-BE49-F238E27FC236}">
+                <a16:creationId xmlns:a16="http://schemas.microsoft.com/office/drawing/2014/main" id="{9073237B-D536-4B4C-8928-3510CB0F8984}"/>
+              </a:ext>
+              <a:ext uri="{C183D7F6-B498-43B3-948B-1728B52AA6E4}">
+                <adec:decorative xmlns:adec="http://schemas.microsoft.com/office/drawing/2017/decorative" val="1"/>
+              </a:ext>
+            </a:extLst>
+          </p:cNvPr>
+          <p:cNvSpPr>
+            <a:spLocks noGrp="1" noRot="1" noChangeAspect="1" noMove="1" noResize="1" noEditPoints="1" noAdjustHandles="1" noChangeArrowheads="1" noChangeShapeType="1" noTextEdit="1"/>
+          </p:cNvSpPr>
+          <p:nvPr>
+            <p:extLst>
+              <p:ext uri="{386F3935-93C4-4BCD-93E2-E3B085C9AB24}">
+                <p16:designElem xmlns:p16="http://schemas.microsoft.com/office/powerpoint/2015/main" val="1"/>
+              </p:ext>
+            </p:extLst>
+          </p:nvPr>
+        </p:nvSpPr>
+        <p:spPr>
+          <a:xfrm>
+            <a:off x="0" y="-786"/>
+            <a:ext cx="12192000" cy="6854038"/>
+          </a:xfrm>
+          <a:prstGeom prst="rect">
+            <a:avLst/>
+          </a:prstGeom>
+          <a:ln>
+            <a:noFill/>
+          </a:ln>
+        </p:spPr>
+        <p:style>
+          <a:lnRef idx="2">
+            <a:schemeClr val="accent1">
+              <a:shade val="50000"/>
+            </a:schemeClr>
+          </a:lnRef>
+          <a:fillRef idx="1">
+            <a:schemeClr val="accent1"/>
+          </a:fillRef>
+          <a:effectRef idx="0">
+            <a:schemeClr val="accent1"/>
+          </a:effectRef>
+          <a:fontRef idx="minor">
+            <a:schemeClr val="lt1"/>
+          </a:fontRef>
+        </p:style>
+        <p:txBody>
+          <a:bodyPr rtlCol="0" anchor="ctr"/>
+          <a:lstStyle/>
+          <a:p>
+            <a:pPr algn="ctr"/>
+            <a:endParaRPr lang="en-US"/>
+          </a:p>
+        </p:txBody>
+      </p:sp>
+      <p:sp>
+        <p:nvSpPr>
+          <p:cNvPr id="2" name="Titel 1">
+            <a:extLst>
+              <a:ext uri="{FF2B5EF4-FFF2-40B4-BE49-F238E27FC236}">
+                <a16:creationId xmlns:a16="http://schemas.microsoft.com/office/drawing/2014/main" id="{E74D7BCB-DC1D-448D-A9AE-B81D1F8B9F3B}"/>
+              </a:ext>
+            </a:extLst>
+          </p:cNvPr>
+          <p:cNvSpPr>
+            <a:spLocks noGrp="1"/>
+          </p:cNvSpPr>
+          <p:nvPr>
+            <p:ph type="title"/>
+          </p:nvPr>
+        </p:nvSpPr>
+        <p:spPr>
+          <a:xfrm>
+            <a:off x="649224" y="645106"/>
+            <a:ext cx="3650279" cy="1259894"/>
+          </a:xfrm>
+        </p:spPr>
+        <p:txBody>
+          <a:bodyPr>
+            <a:normAutofit/>
+          </a:bodyPr>
+          <a:lstStyle/>
+          <a:p>
+            <a:r>
+              <a:rPr lang="da-DK"/>
+              <a:t>Hvad er tråde?</a:t>
+            </a:r>
+            <a:endParaRPr lang="en-US"/>
+          </a:p>
+        </p:txBody>
+      </p:sp>
+      <p:sp>
+        <p:nvSpPr>
+          <p:cNvPr id="76" name="Rectangle 75">
+            <a:extLst>
+              <a:ext uri="{FF2B5EF4-FFF2-40B4-BE49-F238E27FC236}">
+                <a16:creationId xmlns:a16="http://schemas.microsoft.com/office/drawing/2014/main" id="{488B1383-B33A-45D9-AF5F-DD1522135AD3}"/>
+              </a:ext>
+              <a:ext uri="{C183D7F6-B498-43B3-948B-1728B52AA6E4}">
+                <adec:decorative xmlns:adec="http://schemas.microsoft.com/office/drawing/2017/decorative" val="1"/>
+              </a:ext>
+            </a:extLst>
+          </p:cNvPr>
+          <p:cNvSpPr>
+            <a:spLocks noGrp="1" noRot="1" noChangeAspect="1" noMove="1" noResize="1" noEditPoints="1" noAdjustHandles="1" noChangeArrowheads="1" noChangeShapeType="1" noTextEdit="1"/>
+          </p:cNvSpPr>
+          <p:nvPr>
+            <p:extLst>
+              <p:ext uri="{386F3935-93C4-4BCD-93E2-E3B085C9AB24}">
+                <p16:designElem xmlns:p16="http://schemas.microsoft.com/office/powerpoint/2015/main" val="1"/>
+              </p:ext>
+            </p:extLst>
+          </p:nvPr>
+        </p:nvSpPr>
+        <p:spPr>
+          <a:xfrm>
+            <a:off x="0" y="0"/>
+            <a:ext cx="182880" cy="6858000"/>
+          </a:xfrm>
+          <a:prstGeom prst="rect">
+            <a:avLst/>
+          </a:prstGeom>
+          <a:solidFill>
+            <a:schemeClr val="tx2"/>
+          </a:solidFill>
+          <a:ln>
+            <a:noFill/>
+          </a:ln>
+          <a:effectLst/>
+        </p:spPr>
+        <p:style>
+          <a:lnRef idx="1">
+            <a:schemeClr val="accent1"/>
+          </a:lnRef>
+          <a:fillRef idx="3">
+            <a:schemeClr val="accent1"/>
+          </a:fillRef>
+          <a:effectRef idx="2">
+            <a:schemeClr val="accent1"/>
+          </a:effectRef>
+          <a:fontRef idx="minor">
+            <a:schemeClr val="lt1"/>
+          </a:fontRef>
+        </p:style>
+      </p:sp>
+      <p:sp>
+        <p:nvSpPr>
+          <p:cNvPr id="5" name="Pladsholder til indhold 4">
+            <a:extLst>
+              <a:ext uri="{FF2B5EF4-FFF2-40B4-BE49-F238E27FC236}">
+                <a16:creationId xmlns:a16="http://schemas.microsoft.com/office/drawing/2014/main" id="{C81F17B2-BEE8-476C-A751-DD4189E21357}"/>
+              </a:ext>
+            </a:extLst>
+          </p:cNvPr>
+          <p:cNvSpPr>
+            <a:spLocks noGrp="1"/>
+          </p:cNvSpPr>
+          <p:nvPr>
+            <p:ph idx="1"/>
+          </p:nvPr>
+        </p:nvSpPr>
+        <p:spPr>
+          <a:xfrm>
+            <a:off x="972206" y="1569098"/>
+            <a:ext cx="6078146" cy="4643795"/>
+          </a:xfrm>
+        </p:spPr>
+        <p:txBody>
+          <a:bodyPr>
+            <a:normAutofit/>
+          </a:bodyPr>
+          <a:lstStyle/>
+          <a:p>
+            <a:r>
+              <a:rPr lang="da-DK" dirty="0"/>
+              <a:t>”Light </a:t>
+            </a:r>
+            <a:r>
+              <a:rPr lang="da-DK" dirty="0" err="1"/>
+              <a:t>Weight</a:t>
+            </a:r>
+            <a:r>
+              <a:rPr lang="da-DK" dirty="0"/>
+              <a:t>” processer</a:t>
+            </a:r>
+          </a:p>
+          <a:p>
+            <a:r>
+              <a:rPr lang="da-DK" dirty="0"/>
+              <a:t>En </a:t>
+            </a:r>
+            <a:r>
+              <a:rPr lang="da-DK" dirty="0" err="1"/>
+              <a:t>process</a:t>
+            </a:r>
+            <a:r>
+              <a:rPr lang="da-DK" dirty="0"/>
+              <a:t> kan have flere tråde</a:t>
+            </a:r>
+          </a:p>
+          <a:p>
+            <a:pPr lvl="1"/>
+            <a:r>
+              <a:rPr lang="da-DK" dirty="0"/>
+              <a:t>Tråde af samme processer deler hukommelse/resurser</a:t>
+            </a:r>
+          </a:p>
+          <a:p>
+            <a:pPr lvl="1"/>
+            <a:endParaRPr lang="da-DK" dirty="0"/>
+          </a:p>
+          <a:p>
+            <a:r>
+              <a:rPr lang="da-DK" dirty="0"/>
+              <a:t>tråde tillader at en </a:t>
+            </a:r>
+            <a:r>
+              <a:rPr lang="da-DK" dirty="0" err="1"/>
+              <a:t>process</a:t>
+            </a:r>
+            <a:r>
+              <a:rPr lang="da-DK" dirty="0"/>
+              <a:t> (app) kan køre forskellige dele parallelt</a:t>
+            </a:r>
+          </a:p>
+          <a:p>
+            <a:endParaRPr lang="da-DK" dirty="0"/>
+          </a:p>
+          <a:p>
+            <a:r>
+              <a:rPr lang="da-DK" dirty="0"/>
+              <a:t>Mange fordele. Mange Ulemper.</a:t>
+            </a:r>
+          </a:p>
+          <a:p>
+            <a:pPr marL="0" indent="0">
+              <a:buNone/>
+            </a:pPr>
+            <a:endParaRPr lang="en-US" dirty="0"/>
+          </a:p>
+        </p:txBody>
+      </p:sp>
+      <p:pic>
+        <p:nvPicPr>
+          <p:cNvPr id="2053" name="Picture 2" descr="Billedresultat for complicated road junctions">
+            <a:extLst>
+              <a:ext uri="{FF2B5EF4-FFF2-40B4-BE49-F238E27FC236}">
+                <a16:creationId xmlns:a16="http://schemas.microsoft.com/office/drawing/2014/main" id="{F0F1D425-EC2A-4837-9634-49A1F1996B75}"/>
+              </a:ext>
+            </a:extLst>
+          </p:cNvPr>
+          <p:cNvPicPr>
+            <a:picLocks noChangeAspect="1" noChangeArrowheads="1"/>
+          </p:cNvPicPr>
+          <p:nvPr/>
+        </p:nvPicPr>
+        <p:blipFill rotWithShape="1">
+          <a:blip r:embed="rId2">
+            <a:extLst>
+              <a:ext uri="{28A0092B-C50C-407E-A947-70E740481C1C}">
+                <a14:useLocalDpi xmlns:a14="http://schemas.microsoft.com/office/drawing/2010/main" val="0"/>
+              </a:ext>
+            </a:extLst>
+          </a:blip>
+          <a:srcRect l="23455" r="187" b="-3"/>
+          <a:stretch/>
+        </p:blipFill>
+        <p:spPr bwMode="auto">
+          <a:xfrm>
+            <a:off x="7801281" y="2674471"/>
+            <a:ext cx="4100580" cy="3947217"/>
+          </a:xfrm>
+          <a:prstGeom prst="rect">
+            <a:avLst/>
+          </a:prstGeom>
+          <a:noFill/>
+          <a:extLst>
+            <a:ext uri="{909E8E84-426E-40DD-AFC4-6F175D3DCCD1}">
+              <a14:hiddenFill xmlns:a14="http://schemas.microsoft.com/office/drawing/2010/main">
+                <a:solidFill>
+                  <a:srgbClr val="FFFFFF"/>
+                </a:solidFill>
+              </a14:hiddenFill>
+            </a:ext>
+          </a:extLst>
+        </p:spPr>
+      </p:pic>
+      <p:pic>
+        <p:nvPicPr>
+          <p:cNvPr id="2050" name="Picture 2" descr="Billedresultat for difference between thread and process">
+            <a:extLst>
+              <a:ext uri="{FF2B5EF4-FFF2-40B4-BE49-F238E27FC236}">
+                <a16:creationId xmlns:a16="http://schemas.microsoft.com/office/drawing/2014/main" id="{69EEC2D5-A14C-40FB-8E87-2AC5894BF9A5}"/>
+              </a:ext>
+            </a:extLst>
+          </p:cNvPr>
+          <p:cNvPicPr>
+            <a:picLocks noChangeAspect="1" noChangeArrowheads="1"/>
+          </p:cNvPicPr>
+          <p:nvPr/>
+        </p:nvPicPr>
+        <p:blipFill>
+          <a:blip r:embed="rId3">
+            <a:extLst>
+              <a:ext uri="{28A0092B-C50C-407E-A947-70E740481C1C}">
+                <a14:useLocalDpi xmlns:a14="http://schemas.microsoft.com/office/drawing/2010/main" val="0"/>
+              </a:ext>
+            </a:extLst>
+          </a:blip>
+          <a:srcRect/>
+          <a:stretch>
+            <a:fillRect/>
+          </a:stretch>
+        </p:blipFill>
+        <p:spPr bwMode="auto">
+          <a:xfrm>
+            <a:off x="8127902" y="107198"/>
+            <a:ext cx="3394926" cy="2335709"/>
+          </a:xfrm>
+          <a:prstGeom prst="rect">
+            <a:avLst/>
+          </a:prstGeom>
+          <a:noFill/>
+          <a:extLst>
+            <a:ext uri="{909E8E84-426E-40DD-AFC4-6F175D3DCCD1}">
+              <a14:hiddenFill xmlns:a14="http://schemas.microsoft.com/office/drawing/2010/main">
+                <a:solidFill>
+                  <a:srgbClr val="FFFFFF"/>
+                </a:solidFill>
+              </a14:hiddenFill>
+            </a:ext>
+          </a:extLst>
+        </p:spPr>
+      </p:pic>
+      <p:sp>
+        <p:nvSpPr>
+          <p:cNvPr id="78" name="Freeform 11">
+            <a:extLst>
+              <a:ext uri="{FF2B5EF4-FFF2-40B4-BE49-F238E27FC236}">
+                <a16:creationId xmlns:a16="http://schemas.microsoft.com/office/drawing/2014/main" id="{ADD2565E-493E-4545-99C0-2F033FAF94AE}"/>
+              </a:ext>
+              <a:ext uri="{C183D7F6-B498-43B3-948B-1728B52AA6E4}">
+                <adec:decorative xmlns:adec="http://schemas.microsoft.com/office/drawing/2017/decorative" val="1"/>
+              </a:ext>
+            </a:extLst>
+          </p:cNvPr>
+          <p:cNvSpPr>
+            <a:spLocks noGrp="1" noRot="1" noChangeAspect="1" noMove="1" noResize="1" noEditPoints="1" noAdjustHandles="1" noChangeArrowheads="1" noChangeShapeType="1" noTextEdit="1"/>
+          </p:cNvSpPr>
+          <p:nvPr>
+            <p:extLst>
+              <p:ext uri="{386F3935-93C4-4BCD-93E2-E3B085C9AB24}">
+                <p16:designElem xmlns:p16="http://schemas.microsoft.com/office/powerpoint/2015/main" val="1"/>
+              </p:ext>
+            </p:extLst>
+          </p:nvPr>
+        </p:nvSpPr>
+        <p:spPr>
+          <a:xfrm>
+            <a:off x="-1" y="6061223"/>
+            <a:ext cx="1038036" cy="506277"/>
+          </a:xfrm>
+          <a:custGeom>
+            <a:avLst/>
+            <a:gdLst>
+              <a:gd name="connsiteX0" fmla="*/ 0 w 1038036"/>
+              <a:gd name="connsiteY0" fmla="*/ 0 h 506277"/>
+              <a:gd name="connsiteX1" fmla="*/ 182880 w 1038036"/>
+              <a:gd name="connsiteY1" fmla="*/ 0 h 506277"/>
+              <a:gd name="connsiteX2" fmla="*/ 291705 w 1038036"/>
+              <a:gd name="connsiteY2" fmla="*/ 0 h 506277"/>
+              <a:gd name="connsiteX3" fmla="*/ 291705 w 1038036"/>
+              <a:gd name="connsiteY3" fmla="*/ 151 h 506277"/>
+              <a:gd name="connsiteX4" fmla="*/ 692049 w 1038036"/>
+              <a:gd name="connsiteY4" fmla="*/ 705 h 506277"/>
+              <a:gd name="connsiteX5" fmla="*/ 782744 w 1038036"/>
+              <a:gd name="connsiteY5" fmla="*/ 705 h 506277"/>
+              <a:gd name="connsiteX6" fmla="*/ 797001 w 1038036"/>
+              <a:gd name="connsiteY6" fmla="*/ 5473 h 506277"/>
+              <a:gd name="connsiteX7" fmla="*/ 801982 w 1038036"/>
+              <a:gd name="connsiteY7" fmla="*/ 10242 h 506277"/>
+              <a:gd name="connsiteX8" fmla="*/ 1030951 w 1038036"/>
+              <a:gd name="connsiteY8" fmla="*/ 239185 h 506277"/>
+              <a:gd name="connsiteX9" fmla="*/ 1030951 w 1038036"/>
+              <a:gd name="connsiteY9" fmla="*/ 267797 h 506277"/>
+              <a:gd name="connsiteX10" fmla="*/ 801982 w 1038036"/>
+              <a:gd name="connsiteY10" fmla="*/ 496740 h 506277"/>
+              <a:gd name="connsiteX11" fmla="*/ 797001 w 1038036"/>
+              <a:gd name="connsiteY11" fmla="*/ 501508 h 506277"/>
+              <a:gd name="connsiteX12" fmla="*/ 782744 w 1038036"/>
+              <a:gd name="connsiteY12" fmla="*/ 506277 h 506277"/>
+              <a:gd name="connsiteX13" fmla="*/ 692049 w 1038036"/>
+              <a:gd name="connsiteY13" fmla="*/ 506277 h 506277"/>
+              <a:gd name="connsiteX14" fmla="*/ 291705 w 1038036"/>
+              <a:gd name="connsiteY14" fmla="*/ 505140 h 506277"/>
+              <a:gd name="connsiteX15" fmla="*/ 291705 w 1038036"/>
+              <a:gd name="connsiteY15" fmla="*/ 506277 h 506277"/>
+              <a:gd name="connsiteX16" fmla="*/ 0 w 1038036"/>
+              <a:gd name="connsiteY16" fmla="*/ 506277 h 506277"/>
+            </a:gdLst>
+            <a:ahLst/>
+            <a:cxnLst>
+              <a:cxn ang="0">
+                <a:pos x="connsiteX0" y="connsiteY0"/>
+              </a:cxn>
+              <a:cxn ang="0">
+                <a:pos x="connsiteX1" y="connsiteY1"/>
+              </a:cxn>
+              <a:cxn ang="0">
+                <a:pos x="connsiteX2" y="connsiteY2"/>
+              </a:cxn>
+              <a:cxn ang="0">
+                <a:pos x="connsiteX3" y="connsiteY3"/>
+              </a:cxn>
+              <a:cxn ang="0">
+                <a:pos x="connsiteX4" y="connsiteY4"/>
+              </a:cxn>
+              <a:cxn ang="0">
+                <a:pos x="connsiteX5" y="connsiteY5"/>
+              </a:cxn>
+              <a:cxn ang="0">
+                <a:pos x="connsiteX6" y="connsiteY6"/>
+              </a:cxn>
+              <a:cxn ang="0">
+                <a:pos x="connsiteX7" y="connsiteY7"/>
+              </a:cxn>
+              <a:cxn ang="0">
+                <a:pos x="connsiteX8" y="connsiteY8"/>
+              </a:cxn>
+              <a:cxn ang="0">
+                <a:pos x="connsiteX9" y="connsiteY9"/>
+              </a:cxn>
+              <a:cxn ang="0">
+                <a:pos x="connsiteX10" y="connsiteY10"/>
+              </a:cxn>
+              <a:cxn ang="0">
+                <a:pos x="connsiteX11" y="connsiteY11"/>
+              </a:cxn>
+              <a:cxn ang="0">
+                <a:pos x="connsiteX12" y="connsiteY12"/>
+              </a:cxn>
+              <a:cxn ang="0">
+                <a:pos x="connsiteX13" y="connsiteY13"/>
+              </a:cxn>
+              <a:cxn ang="0">
+                <a:pos x="connsiteX14" y="connsiteY14"/>
+              </a:cxn>
+              <a:cxn ang="0">
+                <a:pos x="connsiteX15" y="connsiteY15"/>
+              </a:cxn>
+              <a:cxn ang="0">
+                <a:pos x="connsiteX16" y="connsiteY16"/>
+              </a:cxn>
+            </a:cxnLst>
+            <a:rect l="l" t="t" r="r" b="b"/>
+            <a:pathLst>
+              <a:path w="1038036" h="506277">
+                <a:moveTo>
+                  <a:pt x="0" y="0"/>
+                </a:moveTo>
+                <a:lnTo>
+                  <a:pt x="182880" y="0"/>
+                </a:lnTo>
+                <a:lnTo>
+                  <a:pt x="291705" y="0"/>
+                </a:lnTo>
+                <a:lnTo>
+                  <a:pt x="291705" y="151"/>
+                </a:lnTo>
+                <a:lnTo>
+                  <a:pt x="692049" y="705"/>
+                </a:lnTo>
+                <a:lnTo>
+                  <a:pt x="782744" y="705"/>
+                </a:lnTo>
+                <a:cubicBezTo>
+                  <a:pt x="787553" y="705"/>
+                  <a:pt x="792363" y="5473"/>
+                  <a:pt x="797001" y="5473"/>
+                </a:cubicBezTo>
+                <a:cubicBezTo>
+                  <a:pt x="797001" y="10242"/>
+                  <a:pt x="801982" y="10242"/>
+                  <a:pt x="801982" y="10242"/>
+                </a:cubicBezTo>
+                <a:lnTo>
+                  <a:pt x="1030951" y="239185"/>
+                </a:lnTo>
+                <a:cubicBezTo>
+                  <a:pt x="1040398" y="248722"/>
+                  <a:pt x="1040398" y="258259"/>
+                  <a:pt x="1030951" y="267797"/>
+                </a:cubicBezTo>
+                <a:lnTo>
+                  <a:pt x="801982" y="496740"/>
+                </a:lnTo>
+                <a:cubicBezTo>
+                  <a:pt x="800436" y="498363"/>
+                  <a:pt x="798547" y="499885"/>
+                  <a:pt x="797001" y="501508"/>
+                </a:cubicBezTo>
+                <a:cubicBezTo>
+                  <a:pt x="792363" y="506277"/>
+                  <a:pt x="787553" y="506277"/>
+                  <a:pt x="782744" y="506277"/>
+                </a:cubicBezTo>
+                <a:lnTo>
+                  <a:pt x="692049" y="506277"/>
+                </a:lnTo>
+                <a:lnTo>
+                  <a:pt x="291705" y="505140"/>
+                </a:lnTo>
+                <a:lnTo>
+                  <a:pt x="291705" y="506277"/>
+                </a:lnTo>
+                <a:lnTo>
+                  <a:pt x="0" y="506277"/>
+                </a:lnTo>
+                <a:close/>
+              </a:path>
+            </a:pathLst>
+          </a:custGeom>
+          <a:ln>
+            <a:noFill/>
+          </a:ln>
+        </p:spPr>
+        <p:style>
+          <a:lnRef idx="2">
+            <a:schemeClr val="accent1">
+              <a:shade val="50000"/>
+            </a:schemeClr>
+          </a:lnRef>
+          <a:fillRef idx="1">
+            <a:schemeClr val="accent1"/>
+          </a:fillRef>
+          <a:effectRef idx="0">
+            <a:schemeClr val="accent1"/>
+          </a:effectRef>
+          <a:fontRef idx="minor">
+            <a:schemeClr val="lt1"/>
+          </a:fontRef>
+        </p:style>
+        <p:txBody>
+          <a:bodyPr rtlCol="0" anchor="ctr"/>
+          <a:lstStyle/>
+          <a:p>
+            <a:pPr algn="ctr"/>
+            <a:endParaRPr lang="en-US"/>
+          </a:p>
+        </p:txBody>
+      </p:sp>
+    </p:spTree>
+    <p:extLst>
+      <p:ext uri="{BB962C8B-B14F-4D97-AF65-F5344CB8AC3E}">
+        <p14:creationId xmlns:p14="http://schemas.microsoft.com/office/powerpoint/2010/main" val="2760753411"/>
+      </p:ext>
+    </p:extLst>
+  </p:cSld>
+  <p:clrMapOvr>
+    <a:masterClrMapping/>
+  </p:clrMapOvr>
+</p:sld>
+</file>
+
+<file path=ppt/slides/slide3.xml><?xml version="1.0" encoding="utf-8"?>
+<p:sld xmlns:a="http://schemas.openxmlformats.org/drawingml/2006/main" xmlns:r="http://schemas.openxmlformats.org/officeDocument/2006/relationships" xmlns:p="http://schemas.openxmlformats.org/presentationml/2006/main">
+  <p:cSld>
+    <p:bg>
+      <p:bgPr>
+        <a:gradFill rotWithShape="1">
+          <a:gsLst>
+            <a:gs pos="0">
+              <a:schemeClr val="bg2">
+                <a:tint val="90000"/>
+                <a:satMod val="92000"/>
+                <a:lumMod val="120000"/>
+              </a:schemeClr>
+            </a:gs>
+            <a:gs pos="100000">
+              <a:schemeClr val="bg2">
+                <a:shade val="98000"/>
+                <a:satMod val="120000"/>
+                <a:lumMod val="98000"/>
+              </a:schemeClr>
+            </a:gs>
+          </a:gsLst>
+          <a:path path="circle">
+            <a:fillToRect l="50000" t="50000" r="100000" b="100000"/>
+          </a:path>
+        </a:gradFill>
+        <a:effectLst/>
+      </p:bgPr>
+    </p:bg>
+    <p:spTree>
+      <p:nvGrpSpPr>
+        <p:cNvPr id="1" name=""/>
+        <p:cNvGrpSpPr/>
+        <p:nvPr/>
+      </p:nvGrpSpPr>
+      <p:grpSpPr>
+        <a:xfrm>
+          <a:off x="0" y="0"/>
+          <a:ext cx="0" cy="0"/>
+          <a:chOff x="0" y="0"/>
+          <a:chExt cx="0" cy="0"/>
+        </a:xfrm>
+      </p:grpSpPr>
+      <p:sp useBgFill="1">
+        <p:nvSpPr>
+          <p:cNvPr id="71" name="Rectangle 70">
+            <a:extLst>
+              <a:ext uri="{FF2B5EF4-FFF2-40B4-BE49-F238E27FC236}">
+                <a16:creationId xmlns:a16="http://schemas.microsoft.com/office/drawing/2014/main" id="{B5898079-081F-4617-AC6B-4290266737B3}"/>
+              </a:ext>
+              <a:ext uri="{C183D7F6-B498-43B3-948B-1728B52AA6E4}">
+                <adec:decorative xmlns:adec="http://schemas.microsoft.com/office/drawing/2017/decorative" val="1"/>
+              </a:ext>
+            </a:extLst>
+          </p:cNvPr>
+          <p:cNvSpPr>
+            <a:spLocks noGrp="1" noRot="1" noChangeAspect="1" noMove="1" noResize="1" noEditPoints="1" noAdjustHandles="1" noChangeArrowheads="1" noChangeShapeType="1" noTextEdit="1"/>
+          </p:cNvSpPr>
+          <p:nvPr>
+            <p:extLst>
+              <p:ext uri="{386F3935-93C4-4BCD-93E2-E3B085C9AB24}">
+                <p16:designElem xmlns:p16="http://schemas.microsoft.com/office/powerpoint/2015/main" val="1"/>
+              </p:ext>
+            </p:extLst>
+          </p:nvPr>
+        </p:nvSpPr>
+        <p:spPr>
+          <a:xfrm>
+            <a:off x="0" y="-786"/>
+            <a:ext cx="12192000" cy="6854038"/>
+          </a:xfrm>
+          <a:prstGeom prst="rect">
+            <a:avLst/>
+          </a:prstGeom>
+          <a:ln>
+            <a:noFill/>
+          </a:ln>
+        </p:spPr>
+        <p:style>
+          <a:lnRef idx="2">
+            <a:schemeClr val="accent1">
+              <a:shade val="50000"/>
+            </a:schemeClr>
+          </a:lnRef>
+          <a:fillRef idx="1">
+            <a:schemeClr val="accent1"/>
+          </a:fillRef>
+          <a:effectRef idx="0">
+            <a:schemeClr val="accent1"/>
+          </a:effectRef>
+          <a:fontRef idx="minor">
+            <a:schemeClr val="lt1"/>
+          </a:fontRef>
+        </p:style>
+        <p:txBody>
+          <a:bodyPr rtlCol="0" anchor="ctr"/>
+          <a:lstStyle/>
+          <a:p>
+            <a:pPr algn="ctr"/>
+            <a:endParaRPr lang="en-US"/>
+          </a:p>
+        </p:txBody>
+      </p:sp>
+      <p:sp>
+        <p:nvSpPr>
+          <p:cNvPr id="2" name="Titel 1">
+            <a:extLst>
+              <a:ext uri="{FF2B5EF4-FFF2-40B4-BE49-F238E27FC236}">
+                <a16:creationId xmlns:a16="http://schemas.microsoft.com/office/drawing/2014/main" id="{FAA70924-A8D7-4D10-A259-09FC8C5D1CF5}"/>
+              </a:ext>
+            </a:extLst>
+          </p:cNvPr>
+          <p:cNvSpPr>
+            <a:spLocks noGrp="1"/>
+          </p:cNvSpPr>
+          <p:nvPr>
+            <p:ph type="title"/>
+          </p:nvPr>
+        </p:nvSpPr>
+        <p:spPr>
+          <a:xfrm>
+            <a:off x="649224" y="645106"/>
+            <a:ext cx="5122652" cy="1259894"/>
+          </a:xfrm>
+        </p:spPr>
+        <p:txBody>
+          <a:bodyPr>
+            <a:normAutofit/>
+          </a:bodyPr>
+          <a:lstStyle/>
+          <a:p>
+            <a:r>
+              <a:rPr lang="da-DK"/>
+              <a:t>Single Thread</a:t>
+            </a:r>
+            <a:endParaRPr lang="en-US"/>
+          </a:p>
+        </p:txBody>
+      </p:sp>
+      <p:sp>
+        <p:nvSpPr>
+          <p:cNvPr id="73" name="Rectangle 72">
+            <a:extLst>
+              <a:ext uri="{FF2B5EF4-FFF2-40B4-BE49-F238E27FC236}">
+                <a16:creationId xmlns:a16="http://schemas.microsoft.com/office/drawing/2014/main" id="{BB829EC8-5B3D-469E-942E-5E6E569E5C9B}"/>
+              </a:ext>
+              <a:ext uri="{C183D7F6-B498-43B3-948B-1728B52AA6E4}">
+                <adec:decorative xmlns:adec="http://schemas.microsoft.com/office/drawing/2017/decorative" val="1"/>
+              </a:ext>
+            </a:extLst>
+          </p:cNvPr>
+          <p:cNvSpPr>
+            <a:spLocks noGrp="1" noRot="1" noChangeAspect="1" noMove="1" noResize="1" noEditPoints="1" noAdjustHandles="1" noChangeArrowheads="1" noChangeShapeType="1" noTextEdit="1"/>
+          </p:cNvSpPr>
+          <p:nvPr>
+            <p:extLst>
+              <p:ext uri="{386F3935-93C4-4BCD-93E2-E3B085C9AB24}">
+                <p16:designElem xmlns:p16="http://schemas.microsoft.com/office/powerpoint/2015/main" val="1"/>
+              </p:ext>
+            </p:extLst>
+          </p:nvPr>
+        </p:nvSpPr>
+        <p:spPr>
+          <a:xfrm>
+            <a:off x="0" y="0"/>
+            <a:ext cx="182880" cy="6858000"/>
+          </a:xfrm>
+          <a:prstGeom prst="rect">
+            <a:avLst/>
+          </a:prstGeom>
+          <a:solidFill>
+            <a:schemeClr val="tx2"/>
+          </a:solidFill>
+          <a:ln>
+            <a:noFill/>
+          </a:ln>
+          <a:effectLst/>
+        </p:spPr>
+        <p:style>
+          <a:lnRef idx="1">
+            <a:schemeClr val="accent1"/>
+          </a:lnRef>
+          <a:fillRef idx="3">
+            <a:schemeClr val="accent1"/>
+          </a:fillRef>
+          <a:effectRef idx="2">
+            <a:schemeClr val="accent1"/>
+          </a:effectRef>
+          <a:fontRef idx="minor">
+            <a:schemeClr val="lt1"/>
+          </a:fontRef>
+        </p:style>
+      </p:sp>
+      <p:sp>
+        <p:nvSpPr>
+          <p:cNvPr id="3" name="Pladsholder til indhold 2">
+            <a:extLst>
+              <a:ext uri="{FF2B5EF4-FFF2-40B4-BE49-F238E27FC236}">
+                <a16:creationId xmlns:a16="http://schemas.microsoft.com/office/drawing/2014/main" id="{FDE3E7A6-7E49-47B8-B425-ABA3E10DD18E}"/>
+              </a:ext>
+            </a:extLst>
+          </p:cNvPr>
+          <p:cNvSpPr>
+            <a:spLocks noGrp="1"/>
+          </p:cNvSpPr>
+          <p:nvPr>
+            <p:ph idx="1"/>
+          </p:nvPr>
+        </p:nvSpPr>
+        <p:spPr>
+          <a:xfrm>
+            <a:off x="649225" y="2133600"/>
+            <a:ext cx="5122652" cy="3759253"/>
+          </a:xfrm>
+        </p:spPr>
+        <p:txBody>
+          <a:bodyPr>
+            <a:normAutofit/>
+          </a:bodyPr>
+          <a:lstStyle/>
+          <a:p>
+            <a:r>
+              <a:rPr lang="da-DK" dirty="0"/>
+              <a:t>”Main” – min. 1 tråd</a:t>
+            </a:r>
+          </a:p>
+          <a:p>
+            <a:r>
+              <a:rPr lang="da-DK" dirty="0"/>
+              <a:t>Køres sekventielt</a:t>
+            </a:r>
+          </a:p>
+          <a:p>
+            <a:r>
+              <a:rPr lang="da-DK" dirty="0"/>
+              <a:t>Skaber ”kø”</a:t>
+            </a:r>
+          </a:p>
+          <a:p>
+            <a:pPr lvl="1"/>
+            <a:r>
+              <a:rPr lang="da-DK" dirty="0"/>
+              <a:t>Skal vente på ”tunge” metoder</a:t>
+            </a:r>
+          </a:p>
+        </p:txBody>
+      </p:sp>
+      <p:pic>
+        <p:nvPicPr>
+          <p:cNvPr id="3074" name="Picture 2" descr="Billedresultat for landevej traktor">
+            <a:extLst>
+              <a:ext uri="{FF2B5EF4-FFF2-40B4-BE49-F238E27FC236}">
+                <a16:creationId xmlns:a16="http://schemas.microsoft.com/office/drawing/2014/main" id="{2D4516F3-A000-4A6F-A536-8EA251E46038}"/>
+              </a:ext>
+            </a:extLst>
+          </p:cNvPr>
+          <p:cNvPicPr>
+            <a:picLocks noChangeAspect="1" noChangeArrowheads="1"/>
+          </p:cNvPicPr>
+          <p:nvPr/>
+        </p:nvPicPr>
+        <p:blipFill>
+          <a:blip r:embed="rId2">
+            <a:extLst>
+              <a:ext uri="{28A0092B-C50C-407E-A947-70E740481C1C}">
+                <a14:useLocalDpi xmlns:a14="http://schemas.microsoft.com/office/drawing/2010/main" val="0"/>
+              </a:ext>
+            </a:extLst>
+          </a:blip>
+          <a:srcRect/>
+          <a:stretch>
+            <a:fillRect/>
+          </a:stretch>
+        </p:blipFill>
+        <p:spPr bwMode="auto">
+          <a:xfrm>
+            <a:off x="6412892" y="187906"/>
+            <a:ext cx="4797921" cy="2698831"/>
+          </a:xfrm>
+          <a:prstGeom prst="rect">
+            <a:avLst/>
+          </a:prstGeom>
+          <a:noFill/>
+          <a:extLst>
+            <a:ext uri="{909E8E84-426E-40DD-AFC4-6F175D3DCCD1}">
+              <a14:hiddenFill xmlns:a14="http://schemas.microsoft.com/office/drawing/2010/main">
+                <a:solidFill>
+                  <a:srgbClr val="FFFFFF"/>
+                </a:solidFill>
+              </a14:hiddenFill>
+            </a:ext>
+          </a:extLst>
+        </p:spPr>
+      </p:pic>
+      <p:pic>
+        <p:nvPicPr>
+          <p:cNvPr id="4" name="Billede 3">
+            <a:extLst>
+              <a:ext uri="{FF2B5EF4-FFF2-40B4-BE49-F238E27FC236}">
+                <a16:creationId xmlns:a16="http://schemas.microsoft.com/office/drawing/2014/main" id="{C5150568-ECB3-4393-902F-19882D358756}"/>
+              </a:ext>
+            </a:extLst>
+          </p:cNvPr>
+          <p:cNvPicPr>
+            <a:picLocks noChangeAspect="1"/>
+          </p:cNvPicPr>
+          <p:nvPr/>
+        </p:nvPicPr>
+        <p:blipFill>
+          <a:blip r:embed="rId3"/>
+          <a:stretch>
+            <a:fillRect/>
+          </a:stretch>
+        </p:blipFill>
+        <p:spPr>
+          <a:xfrm>
+            <a:off x="6096000" y="3075429"/>
+            <a:ext cx="5994518" cy="2817424"/>
+          </a:xfrm>
+          <a:prstGeom prst="rect">
+            <a:avLst/>
+          </a:prstGeom>
+        </p:spPr>
+      </p:pic>
+      <p:sp>
+        <p:nvSpPr>
+          <p:cNvPr id="75" name="Freeform 12">
+            <a:extLst>
+              <a:ext uri="{FF2B5EF4-FFF2-40B4-BE49-F238E27FC236}">
+                <a16:creationId xmlns:a16="http://schemas.microsoft.com/office/drawing/2014/main" id="{55D72A3F-A083-4502-838A-2C32C980026F}"/>
+              </a:ext>
+              <a:ext uri="{C183D7F6-B498-43B3-948B-1728B52AA6E4}">
+                <adec:decorative xmlns:adec="http://schemas.microsoft.com/office/drawing/2017/decorative" val="1"/>
+              </a:ext>
+            </a:extLst>
+          </p:cNvPr>
+          <p:cNvSpPr>
+            <a:spLocks noGrp="1" noRot="1" noChangeAspect="1" noMove="1" noResize="1" noEditPoints="1" noAdjustHandles="1" noChangeArrowheads="1" noChangeShapeType="1" noTextEdit="1"/>
+          </p:cNvSpPr>
+          <p:nvPr>
+            <p:extLst>
+              <p:ext uri="{386F3935-93C4-4BCD-93E2-E3B085C9AB24}">
+                <p16:designElem xmlns:p16="http://schemas.microsoft.com/office/powerpoint/2015/main" val="1"/>
+              </p:ext>
+            </p:extLst>
+          </p:nvPr>
+        </p:nvSpPr>
+        <p:spPr>
+          <a:xfrm>
+            <a:off x="-1" y="6061223"/>
+            <a:ext cx="1038036" cy="506277"/>
+          </a:xfrm>
+          <a:custGeom>
+            <a:avLst/>
+            <a:gdLst>
+              <a:gd name="connsiteX0" fmla="*/ 0 w 1038036"/>
+              <a:gd name="connsiteY0" fmla="*/ 0 h 506277"/>
+              <a:gd name="connsiteX1" fmla="*/ 182880 w 1038036"/>
+              <a:gd name="connsiteY1" fmla="*/ 0 h 506277"/>
+              <a:gd name="connsiteX2" fmla="*/ 291705 w 1038036"/>
+              <a:gd name="connsiteY2" fmla="*/ 0 h 506277"/>
+              <a:gd name="connsiteX3" fmla="*/ 291705 w 1038036"/>
+              <a:gd name="connsiteY3" fmla="*/ 151 h 506277"/>
+              <a:gd name="connsiteX4" fmla="*/ 692049 w 1038036"/>
+              <a:gd name="connsiteY4" fmla="*/ 705 h 506277"/>
+              <a:gd name="connsiteX5" fmla="*/ 782744 w 1038036"/>
+              <a:gd name="connsiteY5" fmla="*/ 705 h 506277"/>
+              <a:gd name="connsiteX6" fmla="*/ 797001 w 1038036"/>
+              <a:gd name="connsiteY6" fmla="*/ 5473 h 506277"/>
+              <a:gd name="connsiteX7" fmla="*/ 801982 w 1038036"/>
+              <a:gd name="connsiteY7" fmla="*/ 10242 h 506277"/>
+              <a:gd name="connsiteX8" fmla="*/ 1030951 w 1038036"/>
+              <a:gd name="connsiteY8" fmla="*/ 239185 h 506277"/>
+              <a:gd name="connsiteX9" fmla="*/ 1030951 w 1038036"/>
+              <a:gd name="connsiteY9" fmla="*/ 267797 h 506277"/>
+              <a:gd name="connsiteX10" fmla="*/ 801982 w 1038036"/>
+              <a:gd name="connsiteY10" fmla="*/ 496740 h 506277"/>
+              <a:gd name="connsiteX11" fmla="*/ 797001 w 1038036"/>
+              <a:gd name="connsiteY11" fmla="*/ 501508 h 506277"/>
+              <a:gd name="connsiteX12" fmla="*/ 782744 w 1038036"/>
+              <a:gd name="connsiteY12" fmla="*/ 506277 h 506277"/>
+              <a:gd name="connsiteX13" fmla="*/ 692049 w 1038036"/>
+              <a:gd name="connsiteY13" fmla="*/ 506277 h 506277"/>
+              <a:gd name="connsiteX14" fmla="*/ 291705 w 1038036"/>
+              <a:gd name="connsiteY14" fmla="*/ 505140 h 506277"/>
+              <a:gd name="connsiteX15" fmla="*/ 291705 w 1038036"/>
+              <a:gd name="connsiteY15" fmla="*/ 506277 h 506277"/>
+              <a:gd name="connsiteX16" fmla="*/ 0 w 1038036"/>
+              <a:gd name="connsiteY16" fmla="*/ 506277 h 506277"/>
+            </a:gdLst>
+            <a:ahLst/>
+            <a:cxnLst>
+              <a:cxn ang="0">
+                <a:pos x="connsiteX0" y="connsiteY0"/>
+              </a:cxn>
+              <a:cxn ang="0">
+                <a:pos x="connsiteX1" y="connsiteY1"/>
+              </a:cxn>
+              <a:cxn ang="0">
+                <a:pos x="connsiteX2" y="connsiteY2"/>
+              </a:cxn>
+              <a:cxn ang="0">
+                <a:pos x="connsiteX3" y="connsiteY3"/>
+              </a:cxn>
+              <a:cxn ang="0">
+                <a:pos x="connsiteX4" y="connsiteY4"/>
+              </a:cxn>
+              <a:cxn ang="0">
+                <a:pos x="connsiteX5" y="connsiteY5"/>
+              </a:cxn>
+              <a:cxn ang="0">
+                <a:pos x="connsiteX6" y="connsiteY6"/>
+              </a:cxn>
+              <a:cxn ang="0">
+                <a:pos x="connsiteX7" y="connsiteY7"/>
+              </a:cxn>
+              <a:cxn ang="0">
+                <a:pos x="connsiteX8" y="connsiteY8"/>
+              </a:cxn>
+              <a:cxn ang="0">
+                <a:pos x="connsiteX9" y="connsiteY9"/>
+              </a:cxn>
+              <a:cxn ang="0">
+                <a:pos x="connsiteX10" y="connsiteY10"/>
+              </a:cxn>
+              <a:cxn ang="0">
+                <a:pos x="connsiteX11" y="connsiteY11"/>
+              </a:cxn>
+              <a:cxn ang="0">
+                <a:pos x="connsiteX12" y="connsiteY12"/>
+              </a:cxn>
+              <a:cxn ang="0">
+                <a:pos x="connsiteX13" y="connsiteY13"/>
+              </a:cxn>
+              <a:cxn ang="0">
+                <a:pos x="connsiteX14" y="connsiteY14"/>
+              </a:cxn>
+              <a:cxn ang="0">
+                <a:pos x="connsiteX15" y="connsiteY15"/>
+              </a:cxn>
+              <a:cxn ang="0">
+                <a:pos x="connsiteX16" y="connsiteY16"/>
+              </a:cxn>
+            </a:cxnLst>
+            <a:rect l="l" t="t" r="r" b="b"/>
+            <a:pathLst>
+              <a:path w="1038036" h="506277">
+                <a:moveTo>
+                  <a:pt x="0" y="0"/>
+                </a:moveTo>
+                <a:lnTo>
+                  <a:pt x="182880" y="0"/>
+                </a:lnTo>
+                <a:lnTo>
+                  <a:pt x="291705" y="0"/>
+                </a:lnTo>
+                <a:lnTo>
+                  <a:pt x="291705" y="151"/>
+                </a:lnTo>
+                <a:lnTo>
+                  <a:pt x="692049" y="705"/>
+                </a:lnTo>
+                <a:lnTo>
+                  <a:pt x="782744" y="705"/>
+                </a:lnTo>
+                <a:cubicBezTo>
+                  <a:pt x="787553" y="705"/>
+                  <a:pt x="792363" y="5473"/>
+                  <a:pt x="797001" y="5473"/>
+                </a:cubicBezTo>
+                <a:cubicBezTo>
+                  <a:pt x="797001" y="10242"/>
+                  <a:pt x="801982" y="10242"/>
+                  <a:pt x="801982" y="10242"/>
+                </a:cubicBezTo>
+                <a:lnTo>
+                  <a:pt x="1030951" y="239185"/>
+                </a:lnTo>
+                <a:cubicBezTo>
+                  <a:pt x="1040398" y="248722"/>
+                  <a:pt x="1040398" y="258259"/>
+                  <a:pt x="1030951" y="267797"/>
+                </a:cubicBezTo>
+                <a:lnTo>
+                  <a:pt x="801982" y="496740"/>
+                </a:lnTo>
+                <a:cubicBezTo>
+                  <a:pt x="800436" y="498363"/>
+                  <a:pt x="798547" y="499885"/>
+                  <a:pt x="797001" y="501508"/>
+                </a:cubicBezTo>
+                <a:cubicBezTo>
+                  <a:pt x="792363" y="506277"/>
+                  <a:pt x="787553" y="506277"/>
+                  <a:pt x="782744" y="506277"/>
+                </a:cubicBezTo>
+                <a:lnTo>
+                  <a:pt x="692049" y="506277"/>
+                </a:lnTo>
+                <a:lnTo>
+                  <a:pt x="291705" y="505140"/>
+                </a:lnTo>
+                <a:lnTo>
+                  <a:pt x="291705" y="506277"/>
+                </a:lnTo>
+                <a:lnTo>
+                  <a:pt x="0" y="506277"/>
+                </a:lnTo>
+                <a:close/>
+              </a:path>
+            </a:pathLst>
+          </a:custGeom>
+          <a:ln>
+            <a:noFill/>
+          </a:ln>
+        </p:spPr>
+        <p:style>
+          <a:lnRef idx="2">
+            <a:schemeClr val="accent1">
+              <a:shade val="50000"/>
+            </a:schemeClr>
+          </a:lnRef>
+          <a:fillRef idx="1">
+            <a:schemeClr val="accent1"/>
+          </a:fillRef>
+          <a:effectRef idx="0">
+            <a:schemeClr val="accent1"/>
+          </a:effectRef>
+          <a:fontRef idx="minor">
+            <a:schemeClr val="lt1"/>
+          </a:fontRef>
+        </p:style>
+        <p:txBody>
+          <a:bodyPr rtlCol="0" anchor="ctr"/>
+          <a:lstStyle/>
+          <a:p>
+            <a:pPr algn="ctr"/>
+            <a:endParaRPr lang="en-US"/>
+          </a:p>
+        </p:txBody>
+      </p:sp>
+    </p:spTree>
+    <p:extLst>
+      <p:ext uri="{BB962C8B-B14F-4D97-AF65-F5344CB8AC3E}">
         <p14:creationId xmlns:p14="http://schemas.microsoft.com/office/powerpoint/2010/main" val="3528220117"/>
       </p:ext>
     </p:extLst>
@@ -12071,6 +13773,66 @@
           <a:chExt cx="0" cy="0"/>
         </a:xfrm>
       </p:grpSpPr>
+      <p:sp useBgFill="1">
+        <p:nvSpPr>
+          <p:cNvPr id="10" name="Rectangle 9">
+            <a:extLst>
+              <a:ext uri="{FF2B5EF4-FFF2-40B4-BE49-F238E27FC236}">
+                <a16:creationId xmlns:a16="http://schemas.microsoft.com/office/drawing/2014/main" id="{B5898079-081F-4617-AC6B-4290266737B3}"/>
+              </a:ext>
+              <a:ext uri="{C183D7F6-B498-43B3-948B-1728B52AA6E4}">
+                <adec:decorative xmlns:adec="http://schemas.microsoft.com/office/drawing/2017/decorative" val="1"/>
+              </a:ext>
+            </a:extLst>
+          </p:cNvPr>
+          <p:cNvSpPr>
+            <a:spLocks noGrp="1" noRot="1" noChangeAspect="1" noMove="1" noResize="1" noEditPoints="1" noAdjustHandles="1" noChangeArrowheads="1" noChangeShapeType="1" noTextEdit="1"/>
+          </p:cNvSpPr>
+          <p:nvPr>
+            <p:extLst>
+              <p:ext uri="{386F3935-93C4-4BCD-93E2-E3B085C9AB24}">
+                <p16:designElem xmlns:p16="http://schemas.microsoft.com/office/powerpoint/2015/main" val="1"/>
+              </p:ext>
+            </p:extLst>
+          </p:nvPr>
+        </p:nvSpPr>
+        <p:spPr>
+          <a:xfrm>
+            <a:off x="0" y="-786"/>
+            <a:ext cx="12192000" cy="6854038"/>
+          </a:xfrm>
+          <a:prstGeom prst="rect">
+            <a:avLst/>
+          </a:prstGeom>
+          <a:ln>
+            <a:noFill/>
+          </a:ln>
+        </p:spPr>
+        <p:style>
+          <a:lnRef idx="2">
+            <a:schemeClr val="accent1">
+              <a:shade val="50000"/>
+            </a:schemeClr>
+          </a:lnRef>
+          <a:fillRef idx="1">
+            <a:schemeClr val="accent1"/>
+          </a:fillRef>
+          <a:effectRef idx="0">
+            <a:schemeClr val="accent1"/>
+          </a:effectRef>
+          <a:fontRef idx="minor">
+            <a:schemeClr val="lt1"/>
+          </a:fontRef>
+        </p:style>
+        <p:txBody>
+          <a:bodyPr rtlCol="0" anchor="ctr"/>
+          <a:lstStyle/>
+          <a:p>
+            <a:pPr algn="ctr"/>
+            <a:endParaRPr lang="en-US"/>
+          </a:p>
+        </p:txBody>
+      </p:sp>
       <p:sp>
         <p:nvSpPr>
           <p:cNvPr id="2" name="Titel 1">
@@ -12089,8 +13851,8 @@
         </p:nvSpPr>
         <p:spPr>
           <a:xfrm>
-            <a:off x="1687669" y="624110"/>
-            <a:ext cx="4137059" cy="1280890"/>
+            <a:off x="649224" y="645106"/>
+            <a:ext cx="5122652" cy="1259894"/>
           </a:xfrm>
         </p:spPr>
         <p:txBody>
@@ -12100,12 +13862,66 @@
           <a:lstStyle/>
           <a:p>
             <a:r>
-              <a:rPr lang="da-DK" sz="3200"/>
+              <a:rPr lang="da-DK"/>
               <a:t>Multi threading</a:t>
             </a:r>
-            <a:endParaRPr lang="en-US" sz="3200"/>
+            <a:endParaRPr lang="en-US"/>
           </a:p>
         </p:txBody>
+      </p:sp>
+      <p:sp>
+        <p:nvSpPr>
+          <p:cNvPr id="12" name="Rectangle 11">
+            <a:extLst>
+              <a:ext uri="{FF2B5EF4-FFF2-40B4-BE49-F238E27FC236}">
+                <a16:creationId xmlns:a16="http://schemas.microsoft.com/office/drawing/2014/main" id="{BB829EC8-5B3D-469E-942E-5E6E569E5C9B}"/>
+              </a:ext>
+              <a:ext uri="{C183D7F6-B498-43B3-948B-1728B52AA6E4}">
+                <adec:decorative xmlns:adec="http://schemas.microsoft.com/office/drawing/2017/decorative" val="1"/>
+              </a:ext>
+            </a:extLst>
+          </p:cNvPr>
+          <p:cNvSpPr>
+            <a:spLocks noGrp="1" noRot="1" noChangeAspect="1" noMove="1" noResize="1" noEditPoints="1" noAdjustHandles="1" noChangeArrowheads="1" noChangeShapeType="1" noTextEdit="1"/>
+          </p:cNvSpPr>
+          <p:nvPr>
+            <p:extLst>
+              <p:ext uri="{386F3935-93C4-4BCD-93E2-E3B085C9AB24}">
+                <p16:designElem xmlns:p16="http://schemas.microsoft.com/office/powerpoint/2015/main" val="1"/>
+              </p:ext>
+            </p:extLst>
+          </p:nvPr>
+        </p:nvSpPr>
+        <p:spPr>
+          <a:xfrm>
+            <a:off x="0" y="0"/>
+            <a:ext cx="182880" cy="6858000"/>
+          </a:xfrm>
+          <a:prstGeom prst="rect">
+            <a:avLst/>
+          </a:prstGeom>
+          <a:solidFill>
+            <a:schemeClr val="tx2"/>
+          </a:solidFill>
+          <a:ln>
+            <a:noFill/>
+          </a:ln>
+          <a:effectLst/>
+        </p:spPr>
+        <p:style>
+          <a:lnRef idx="1">
+            <a:schemeClr val="accent1"/>
+          </a:lnRef>
+          <a:fillRef idx="3">
+            <a:schemeClr val="accent1"/>
+          </a:fillRef>
+          <a:effectRef idx="2">
+            <a:schemeClr val="accent1"/>
+          </a:effectRef>
+          <a:fontRef idx="minor">
+            <a:schemeClr val="lt1"/>
+          </a:fontRef>
+        </p:style>
       </p:sp>
       <p:sp>
         <p:nvSpPr>
@@ -12125,8 +13941,8 @@
         </p:nvSpPr>
         <p:spPr>
           <a:xfrm>
-            <a:off x="1683956" y="2133600"/>
-            <a:ext cx="4140772" cy="3777622"/>
+            <a:off x="649225" y="2133600"/>
+            <a:ext cx="5122652" cy="3759253"/>
           </a:xfrm>
         </p:spPr>
         <p:txBody>
@@ -12136,93 +13952,57 @@
           <a:lstStyle/>
           <a:p>
             <a:r>
-              <a:rPr lang="da-DK" sz="1600" dirty="0">
-                <a:solidFill>
-                  <a:srgbClr val="000000"/>
-                </a:solidFill>
-              </a:rPr>
+              <a:rPr lang="da-DK" dirty="0"/>
               <a:t>Tillader at man kan køre flere funktionalitet parallelt!</a:t>
             </a:r>
           </a:p>
           <a:p>
-            <a:endParaRPr lang="da-DK" sz="1600" dirty="0">
-              <a:solidFill>
-                <a:srgbClr val="000000"/>
-              </a:solidFill>
-            </a:endParaRPr>
-          </a:p>
-          <a:p>
-            <a:r>
-              <a:rPr lang="da-DK" sz="1600" dirty="0" err="1">
-                <a:solidFill>
-                  <a:srgbClr val="000000"/>
-                </a:solidFill>
-              </a:rPr>
+            <a:endParaRPr lang="da-DK" dirty="0"/>
+          </a:p>
+          <a:p>
+            <a:r>
+              <a:rPr lang="da-DK" dirty="0" err="1"/>
               <a:t>Responsive</a:t>
             </a:r>
             <a:r>
-              <a:rPr lang="da-DK" sz="1600" dirty="0">
-                <a:solidFill>
-                  <a:srgbClr val="000000"/>
-                </a:solidFill>
-              </a:rPr>
+              <a:rPr lang="da-DK" dirty="0"/>
               <a:t> brugergrænseflade</a:t>
             </a:r>
           </a:p>
           <a:p>
             <a:pPr lvl="1"/>
             <a:r>
-              <a:rPr lang="da-DK" sz="1400" dirty="0">
-                <a:solidFill>
-                  <a:srgbClr val="000000"/>
-                </a:solidFill>
-              </a:rPr>
+              <a:rPr lang="da-DK" dirty="0"/>
               <a:t>Interagerer mens kode køres</a:t>
             </a:r>
           </a:p>
           <a:p>
             <a:r>
-              <a:rPr lang="da-DK" sz="1600" dirty="0">
-                <a:solidFill>
-                  <a:srgbClr val="000000"/>
-                </a:solidFill>
-              </a:rPr>
-              <a:t>Reducere den tid det tager at køre samme kode</a:t>
-            </a:r>
-          </a:p>
-          <a:p>
-            <a:r>
-              <a:rPr lang="da-DK" sz="1600" dirty="0">
-                <a:solidFill>
-                  <a:srgbClr val="000000"/>
-                </a:solidFill>
-              </a:rPr>
+              <a:rPr lang="da-DK" dirty="0"/>
+              <a:t>Reducere tiden det tager at køre samme kode</a:t>
+            </a:r>
+          </a:p>
+          <a:p>
+            <a:r>
+              <a:rPr lang="da-DK" dirty="0"/>
               <a:t>Visse ting kan køre i baggrunden</a:t>
             </a:r>
           </a:p>
           <a:p>
             <a:r>
-              <a:rPr lang="da-DK" sz="1600" dirty="0">
-                <a:solidFill>
-                  <a:srgbClr val="000000"/>
-                </a:solidFill>
-              </a:rPr>
+              <a:rPr lang="da-DK" dirty="0"/>
               <a:t>Alle kan køre deres ”eget tempo”</a:t>
             </a:r>
-            <a:endParaRPr lang="en-US" sz="1600" dirty="0">
-              <a:solidFill>
-                <a:srgbClr val="000000"/>
-              </a:solidFill>
-            </a:endParaRPr>
+            <a:endParaRPr lang="en-US" dirty="0"/>
           </a:p>
         </p:txBody>
       </p:sp>
       <p:pic>
         <p:nvPicPr>
-          <p:cNvPr id="5" name="Billede 4">
+          <p:cNvPr id="4" name="Billede 3">
             <a:extLst>
               <a:ext uri="{FF2B5EF4-FFF2-40B4-BE49-F238E27FC236}">
-                <a16:creationId xmlns:a16="http://schemas.microsoft.com/office/drawing/2014/main" id="{319EA68C-8F29-4849-9511-BF0E8EBD1005}"/>
+                <a16:creationId xmlns:a16="http://schemas.microsoft.com/office/drawing/2014/main" id="{E7B0F914-3CD5-4ECA-AF81-0DD70BBACDBC}"/>
               </a:ext>
             </a:extLst>
           </p:cNvPr>
@@ -12239,14 +14019,261 @@
         </p:blipFill>
         <p:spPr>
           <a:xfrm>
-            <a:off x="6091916" y="1735709"/>
-            <a:ext cx="5451627" cy="3066540"/>
+            <a:off x="6985389" y="3312366"/>
+            <a:ext cx="3434658" cy="3540885"/>
           </a:xfrm>
           <a:prstGeom prst="rect">
             <a:avLst/>
           </a:prstGeom>
         </p:spPr>
       </p:pic>
+      <p:pic>
+        <p:nvPicPr>
+          <p:cNvPr id="5" name="Billede 4">
+            <a:extLst>
+              <a:ext uri="{FF2B5EF4-FFF2-40B4-BE49-F238E27FC236}">
+                <a16:creationId xmlns:a16="http://schemas.microsoft.com/office/drawing/2014/main" id="{319EA68C-8F29-4849-9511-BF0E8EBD1005}"/>
+              </a:ext>
+            </a:extLst>
+          </p:cNvPr>
+          <p:cNvPicPr>
+            <a:picLocks noChangeAspect="1"/>
+          </p:cNvPicPr>
+          <p:nvPr/>
+        </p:nvPicPr>
+        <p:blipFill>
+          <a:blip r:embed="rId3"/>
+          <a:stretch>
+            <a:fillRect/>
+          </a:stretch>
+        </p:blipFill>
+        <p:spPr>
+          <a:xfrm>
+            <a:off x="6013426" y="224371"/>
+            <a:ext cx="5304606" cy="2983841"/>
+          </a:xfrm>
+          <a:prstGeom prst="rect">
+            <a:avLst/>
+          </a:prstGeom>
+        </p:spPr>
+      </p:pic>
+      <p:sp>
+        <p:nvSpPr>
+          <p:cNvPr id="14" name="Freeform 12">
+            <a:extLst>
+              <a:ext uri="{FF2B5EF4-FFF2-40B4-BE49-F238E27FC236}">
+                <a16:creationId xmlns:a16="http://schemas.microsoft.com/office/drawing/2014/main" id="{55D72A3F-A083-4502-838A-2C32C980026F}"/>
+              </a:ext>
+              <a:ext uri="{C183D7F6-B498-43B3-948B-1728B52AA6E4}">
+                <adec:decorative xmlns:adec="http://schemas.microsoft.com/office/drawing/2017/decorative" val="1"/>
+              </a:ext>
+            </a:extLst>
+          </p:cNvPr>
+          <p:cNvSpPr>
+            <a:spLocks noGrp="1" noRot="1" noChangeAspect="1" noMove="1" noResize="1" noEditPoints="1" noAdjustHandles="1" noChangeArrowheads="1" noChangeShapeType="1" noTextEdit="1"/>
+          </p:cNvSpPr>
+          <p:nvPr>
+            <p:extLst>
+              <p:ext uri="{386F3935-93C4-4BCD-93E2-E3B085C9AB24}">
+                <p16:designElem xmlns:p16="http://schemas.microsoft.com/office/powerpoint/2015/main" val="1"/>
+              </p:ext>
+            </p:extLst>
+          </p:nvPr>
+        </p:nvSpPr>
+        <p:spPr>
+          <a:xfrm>
+            <a:off x="-1" y="6061223"/>
+            <a:ext cx="1038036" cy="506277"/>
+          </a:xfrm>
+          <a:custGeom>
+            <a:avLst/>
+            <a:gdLst>
+              <a:gd name="connsiteX0" fmla="*/ 0 w 1038036"/>
+              <a:gd name="connsiteY0" fmla="*/ 0 h 506277"/>
+              <a:gd name="connsiteX1" fmla="*/ 182880 w 1038036"/>
+              <a:gd name="connsiteY1" fmla="*/ 0 h 506277"/>
+              <a:gd name="connsiteX2" fmla="*/ 291705 w 1038036"/>
+              <a:gd name="connsiteY2" fmla="*/ 0 h 506277"/>
+              <a:gd name="connsiteX3" fmla="*/ 291705 w 1038036"/>
+              <a:gd name="connsiteY3" fmla="*/ 151 h 506277"/>
+              <a:gd name="connsiteX4" fmla="*/ 692049 w 1038036"/>
+              <a:gd name="connsiteY4" fmla="*/ 705 h 506277"/>
+              <a:gd name="connsiteX5" fmla="*/ 782744 w 1038036"/>
+              <a:gd name="connsiteY5" fmla="*/ 705 h 506277"/>
+              <a:gd name="connsiteX6" fmla="*/ 797001 w 1038036"/>
+              <a:gd name="connsiteY6" fmla="*/ 5473 h 506277"/>
+              <a:gd name="connsiteX7" fmla="*/ 801982 w 1038036"/>
+              <a:gd name="connsiteY7" fmla="*/ 10242 h 506277"/>
+              <a:gd name="connsiteX8" fmla="*/ 1030951 w 1038036"/>
+              <a:gd name="connsiteY8" fmla="*/ 239185 h 506277"/>
+              <a:gd name="connsiteX9" fmla="*/ 1030951 w 1038036"/>
+              <a:gd name="connsiteY9" fmla="*/ 267797 h 506277"/>
+              <a:gd name="connsiteX10" fmla="*/ 801982 w 1038036"/>
+              <a:gd name="connsiteY10" fmla="*/ 496740 h 506277"/>
+              <a:gd name="connsiteX11" fmla="*/ 797001 w 1038036"/>
+              <a:gd name="connsiteY11" fmla="*/ 501508 h 506277"/>
+              <a:gd name="connsiteX12" fmla="*/ 782744 w 1038036"/>
+              <a:gd name="connsiteY12" fmla="*/ 506277 h 506277"/>
+              <a:gd name="connsiteX13" fmla="*/ 692049 w 1038036"/>
+              <a:gd name="connsiteY13" fmla="*/ 506277 h 506277"/>
+              <a:gd name="connsiteX14" fmla="*/ 291705 w 1038036"/>
+              <a:gd name="connsiteY14" fmla="*/ 505140 h 506277"/>
+              <a:gd name="connsiteX15" fmla="*/ 291705 w 1038036"/>
+              <a:gd name="connsiteY15" fmla="*/ 506277 h 506277"/>
+              <a:gd name="connsiteX16" fmla="*/ 0 w 1038036"/>
+              <a:gd name="connsiteY16" fmla="*/ 506277 h 506277"/>
+            </a:gdLst>
+            <a:ahLst/>
+            <a:cxnLst>
+              <a:cxn ang="0">
+                <a:pos x="connsiteX0" y="connsiteY0"/>
+              </a:cxn>
+              <a:cxn ang="0">
+                <a:pos x="connsiteX1" y="connsiteY1"/>
+              </a:cxn>
+              <a:cxn ang="0">
+                <a:pos x="connsiteX2" y="connsiteY2"/>
+              </a:cxn>
+              <a:cxn ang="0">
+                <a:pos x="connsiteX3" y="connsiteY3"/>
+              </a:cxn>
+              <a:cxn ang="0">
+                <a:pos x="connsiteX4" y="connsiteY4"/>
+              </a:cxn>
+              <a:cxn ang="0">
+                <a:pos x="connsiteX5" y="connsiteY5"/>
+              </a:cxn>
+              <a:cxn ang="0">
+                <a:pos x="connsiteX6" y="connsiteY6"/>
+              </a:cxn>
+              <a:cxn ang="0">
+                <a:pos x="connsiteX7" y="connsiteY7"/>
+              </a:cxn>
+              <a:cxn ang="0">
+                <a:pos x="connsiteX8" y="connsiteY8"/>
+              </a:cxn>
+              <a:cxn ang="0">
+                <a:pos x="connsiteX9" y="connsiteY9"/>
+              </a:cxn>
+              <a:cxn ang="0">
+                <a:pos x="connsiteX10" y="connsiteY10"/>
+              </a:cxn>
+              <a:cxn ang="0">
+                <a:pos x="connsiteX11" y="connsiteY11"/>
+              </a:cxn>
+              <a:cxn ang="0">
+                <a:pos x="connsiteX12" y="connsiteY12"/>
+              </a:cxn>
+              <a:cxn ang="0">
+                <a:pos x="connsiteX13" y="connsiteY13"/>
+              </a:cxn>
+              <a:cxn ang="0">
+                <a:pos x="connsiteX14" y="connsiteY14"/>
+              </a:cxn>
+              <a:cxn ang="0">
+                <a:pos x="connsiteX15" y="connsiteY15"/>
+              </a:cxn>
+              <a:cxn ang="0">
+                <a:pos x="connsiteX16" y="connsiteY16"/>
+              </a:cxn>
+            </a:cxnLst>
+            <a:rect l="l" t="t" r="r" b="b"/>
+            <a:pathLst>
+              <a:path w="1038036" h="506277">
+                <a:moveTo>
+                  <a:pt x="0" y="0"/>
+                </a:moveTo>
+                <a:lnTo>
+                  <a:pt x="182880" y="0"/>
+                </a:lnTo>
+                <a:lnTo>
+                  <a:pt x="291705" y="0"/>
+                </a:lnTo>
+                <a:lnTo>
+                  <a:pt x="291705" y="151"/>
+                </a:lnTo>
+                <a:lnTo>
+                  <a:pt x="692049" y="705"/>
+                </a:lnTo>
+                <a:lnTo>
+                  <a:pt x="782744" y="705"/>
+                </a:lnTo>
+                <a:cubicBezTo>
+                  <a:pt x="787553" y="705"/>
+                  <a:pt x="792363" y="5473"/>
+                  <a:pt x="797001" y="5473"/>
+                </a:cubicBezTo>
+                <a:cubicBezTo>
+                  <a:pt x="797001" y="10242"/>
+                  <a:pt x="801982" y="10242"/>
+                  <a:pt x="801982" y="10242"/>
+                </a:cubicBezTo>
+                <a:lnTo>
+                  <a:pt x="1030951" y="239185"/>
+                </a:lnTo>
+                <a:cubicBezTo>
+                  <a:pt x="1040398" y="248722"/>
+                  <a:pt x="1040398" y="258259"/>
+                  <a:pt x="1030951" y="267797"/>
+                </a:cubicBezTo>
+                <a:lnTo>
+                  <a:pt x="801982" y="496740"/>
+                </a:lnTo>
+                <a:cubicBezTo>
+                  <a:pt x="800436" y="498363"/>
+                  <a:pt x="798547" y="499885"/>
+                  <a:pt x="797001" y="501508"/>
+                </a:cubicBezTo>
+                <a:cubicBezTo>
+                  <a:pt x="792363" y="506277"/>
+                  <a:pt x="787553" y="506277"/>
+                  <a:pt x="782744" y="506277"/>
+                </a:cubicBezTo>
+                <a:lnTo>
+                  <a:pt x="692049" y="506277"/>
+                </a:lnTo>
+                <a:lnTo>
+                  <a:pt x="291705" y="505140"/>
+                </a:lnTo>
+                <a:lnTo>
+                  <a:pt x="291705" y="506277"/>
+                </a:lnTo>
+                <a:lnTo>
+                  <a:pt x="0" y="506277"/>
+                </a:lnTo>
+                <a:close/>
+              </a:path>
+            </a:pathLst>
+          </a:custGeom>
+          <a:ln>
+            <a:noFill/>
+          </a:ln>
+        </p:spPr>
+        <p:style>
+          <a:lnRef idx="2">
+            <a:schemeClr val="accent1">
+              <a:shade val="50000"/>
+            </a:schemeClr>
+          </a:lnRef>
+          <a:fillRef idx="1">
+            <a:schemeClr val="accent1"/>
+          </a:fillRef>
+          <a:effectRef idx="0">
+            <a:schemeClr val="accent1"/>
+          </a:effectRef>
+          <a:fontRef idx="minor">
+            <a:schemeClr val="lt1"/>
+          </a:fontRef>
+        </p:style>
+        <p:txBody>
+          <a:bodyPr rtlCol="0" anchor="ctr"/>
+          <a:lstStyle/>
+          <a:p>
+            <a:pPr algn="ctr"/>
+            <a:endParaRPr lang="en-US"/>
+          </a:p>
+        </p:txBody>
+      </p:sp>
     </p:spTree>
     <p:extLst>
       <p:ext uri="{BB962C8B-B14F-4D97-AF65-F5344CB8AC3E}">
@@ -12459,6 +14486,47 @@
             </a:r>
           </a:p>
           <a:p>
+            <a:pPr lvl="1"/>
+            <a:endParaRPr lang="da-DK" sz="1400" dirty="0">
+              <a:solidFill>
+                <a:srgbClr val="000000"/>
+              </a:solidFill>
+            </a:endParaRPr>
+          </a:p>
+          <a:p>
+            <a:endParaRPr lang="da-DK" sz="1600" dirty="0">
+              <a:solidFill>
+                <a:srgbClr val="000000"/>
+              </a:solidFill>
+            </a:endParaRPr>
+          </a:p>
+          <a:p>
+            <a:r>
+              <a:rPr lang="da-DK" sz="1600" dirty="0">
+                <a:solidFill>
+                  <a:srgbClr val="000000"/>
+                </a:solidFill>
+              </a:rPr>
+              <a:t>Eksempel: Parallel </a:t>
+            </a:r>
+            <a:r>
+              <a:rPr lang="da-DK" sz="1600" dirty="0" err="1">
+                <a:solidFill>
+                  <a:srgbClr val="000000"/>
+                </a:solidFill>
+              </a:rPr>
+              <a:t>merge</a:t>
+            </a:r>
+            <a:r>
+              <a:rPr lang="da-DK" sz="1600" dirty="0">
+                <a:solidFill>
+                  <a:srgbClr val="000000"/>
+                </a:solidFill>
+              </a:rPr>
+              <a:t> sort</a:t>
+            </a:r>
+          </a:p>
+          <a:p>
             <a:endParaRPr lang="en-US" sz="1600" dirty="0">
               <a:solidFill>
                 <a:srgbClr val="000000"/>
@@ -12469,10 +14537,57 @@
       </p:sp>
       <p:pic>
         <p:nvPicPr>
-          <p:cNvPr id="5" name="Billede 4">
+          <p:cNvPr id="1026" name="Picture 2" descr="Billedresultat for sorting algorithms threads">
             <a:extLst>
               <a:ext uri="{FF2B5EF4-FFF2-40B4-BE49-F238E27FC236}">
-                <a16:creationId xmlns:a16="http://schemas.microsoft.com/office/drawing/2014/main" id="{7E271028-A428-4DE3-A83D-B4C20EAE77B8}"/>
+                <a16:creationId xmlns:a16="http://schemas.microsoft.com/office/drawing/2014/main" id="{E78AEAA0-2B17-4DCF-9FDB-1E01E2A700ED}"/>
+              </a:ext>
+            </a:extLst>
+          </p:cNvPr>
+          <p:cNvPicPr>
+            <a:picLocks noChangeAspect="1" noChangeArrowheads="1"/>
+          </p:cNvPicPr>
+          <p:nvPr/>
+        </p:nvPicPr>
+        <p:blipFill>
+          <a:blip r:embed="rId2">
+            <a:extLst>
+              <a:ext uri="{28A0092B-C50C-407E-A947-70E740481C1C}">
+                <a14:useLocalDpi xmlns:a14="http://schemas.microsoft.com/office/drawing/2010/main" val="0"/>
+              </a:ext>
+            </a:extLst>
+          </a:blip>
+          <a:srcRect/>
+          <a:stretch>
+            <a:fillRect/>
+          </a:stretch>
+        </p:blipFill>
+        <p:spPr bwMode="auto">
+          <a:xfrm>
+            <a:off x="5587728" y="166675"/>
+            <a:ext cx="6515100" cy="5334000"/>
+          </a:xfrm>
+          <a:prstGeom prst="rect">
+            <a:avLst/>
+          </a:prstGeom>
+          <a:noFill/>
+          <a:extLst>
+            <a:ext uri="{909E8E84-426E-40DD-AFC4-6F175D3DCCD1}">
+              <a14:hiddenFill xmlns:a14="http://schemas.microsoft.com/office/drawing/2010/main">
+                <a:solidFill>
+                  <a:srgbClr val="FFFFFF"/>
+                </a:solidFill>
+              </a14:hiddenFill>
+            </a:ext>
+          </a:extLst>
+        </p:spPr>
+      </p:pic>
+      <p:pic>
+        <p:nvPicPr>
+          <p:cNvPr id="6" name="Billede 5">
+            <a:extLst>
+              <a:ext uri="{FF2B5EF4-FFF2-40B4-BE49-F238E27FC236}">
+                <a16:creationId xmlns:a16="http://schemas.microsoft.com/office/drawing/2014/main" id="{2C886CF5-28FC-4E2C-8573-D8C94E857C73}"/>
               </a:ext>
             </a:extLst>
           </p:cNvPr>
@@ -12482,15 +14597,15 @@
           <p:nvPr/>
         </p:nvPicPr>
         <p:blipFill>
-          <a:blip r:embed="rId2"/>
+          <a:blip r:embed="rId3"/>
           <a:stretch>
             <a:fillRect/>
           </a:stretch>
         </p:blipFill>
         <p:spPr>
           <a:xfrm>
-            <a:off x="6091916" y="1210991"/>
-            <a:ext cx="5451627" cy="4115977"/>
+            <a:off x="4511403" y="5777872"/>
+            <a:ext cx="7591425" cy="723900"/>
           </a:xfrm>
           <a:prstGeom prst="rect">
             <a:avLst/>
@@ -12864,12 +14979,72 @@
           <a:chExt cx="0" cy="0"/>
         </a:xfrm>
       </p:grpSpPr>
+      <p:sp useBgFill="1">
+        <p:nvSpPr>
+          <p:cNvPr id="9" name="Rectangle 8">
+            <a:extLst>
+              <a:ext uri="{FF2B5EF4-FFF2-40B4-BE49-F238E27FC236}">
+                <a16:creationId xmlns:a16="http://schemas.microsoft.com/office/drawing/2014/main" id="{3F4C104D-5F30-4811-9376-566B26E4719A}"/>
+              </a:ext>
+              <a:ext uri="{C183D7F6-B498-43B3-948B-1728B52AA6E4}">
+                <adec:decorative xmlns:adec="http://schemas.microsoft.com/office/drawing/2017/decorative" val="1"/>
+              </a:ext>
+            </a:extLst>
+          </p:cNvPr>
+          <p:cNvSpPr>
+            <a:spLocks noGrp="1" noRot="1" noChangeAspect="1" noMove="1" noResize="1" noEditPoints="1" noAdjustHandles="1" noChangeArrowheads="1" noChangeShapeType="1" noTextEdit="1"/>
+          </p:cNvSpPr>
+          <p:nvPr>
+            <p:extLst>
+              <p:ext uri="{386F3935-93C4-4BCD-93E2-E3B085C9AB24}">
+                <p16:designElem xmlns:p16="http://schemas.microsoft.com/office/powerpoint/2015/main" val="1"/>
+              </p:ext>
+            </p:extLst>
+          </p:nvPr>
+        </p:nvSpPr>
+        <p:spPr>
+          <a:xfrm>
+            <a:off x="0" y="-786"/>
+            <a:ext cx="12192000" cy="6854038"/>
+          </a:xfrm>
+          <a:prstGeom prst="rect">
+            <a:avLst/>
+          </a:prstGeom>
+          <a:ln>
+            <a:noFill/>
+          </a:ln>
+        </p:spPr>
+        <p:style>
+          <a:lnRef idx="2">
+            <a:schemeClr val="accent1">
+              <a:shade val="50000"/>
+            </a:schemeClr>
+          </a:lnRef>
+          <a:fillRef idx="1">
+            <a:schemeClr val="accent1"/>
+          </a:fillRef>
+          <a:effectRef idx="0">
+            <a:schemeClr val="accent1"/>
+          </a:effectRef>
+          <a:fontRef idx="minor">
+            <a:schemeClr val="lt1"/>
+          </a:fontRef>
+        </p:style>
+        <p:txBody>
+          <a:bodyPr rtlCol="0" anchor="ctr"/>
+          <a:lstStyle/>
+          <a:p>
+            <a:pPr algn="ctr"/>
+            <a:endParaRPr lang="en-US"/>
+          </a:p>
+        </p:txBody>
+      </p:sp>
       <p:sp>
         <p:nvSpPr>
           <p:cNvPr id="2" name="Titel 1">
             <a:extLst>
               <a:ext uri="{FF2B5EF4-FFF2-40B4-BE49-F238E27FC236}">
-                <a16:creationId xmlns:a16="http://schemas.microsoft.com/office/drawing/2014/main" id="{0A9BA558-93AC-4851-83EF-47FA96510812}"/>
+                <a16:creationId xmlns:a16="http://schemas.microsoft.com/office/drawing/2014/main" id="{B7C29EF2-995A-4649-B16A-ECB9066C77B0}"/>
               </a:ext>
             </a:extLst>
           </p:cNvPr>
@@ -12882,8 +15057,8 @@
         </p:nvSpPr>
         <p:spPr>
           <a:xfrm>
-            <a:off x="1687669" y="624110"/>
-            <a:ext cx="4137059" cy="1280890"/>
+            <a:off x="649224" y="645106"/>
+            <a:ext cx="4249347" cy="1259894"/>
           </a:xfrm>
         </p:spPr>
         <p:txBody>
@@ -12893,19 +15068,77 @@
           <a:lstStyle/>
           <a:p>
             <a:r>
-              <a:rPr lang="da-DK" sz="2200"/>
-              <a:t>Synkroniseringsmekanismer</a:t>
-            </a:r>
-            <a:endParaRPr lang="en-US" sz="2200"/>
+              <a:rPr lang="da-DK" dirty="0"/>
+              <a:t>Race </a:t>
+            </a:r>
+            <a:r>
+              <a:rPr lang="da-DK" dirty="0" err="1"/>
+              <a:t>Condition</a:t>
+            </a:r>
+            <a:endParaRPr lang="en-US" dirty="0"/>
           </a:p>
         </p:txBody>
+      </p:sp>
+      <p:sp>
+        <p:nvSpPr>
+          <p:cNvPr id="11" name="Rectangle 10">
+            <a:extLst>
+              <a:ext uri="{FF2B5EF4-FFF2-40B4-BE49-F238E27FC236}">
+                <a16:creationId xmlns:a16="http://schemas.microsoft.com/office/drawing/2014/main" id="{0815E34B-5D02-4E01-A936-E8E1C0AB6F12}"/>
+              </a:ext>
+              <a:ext uri="{C183D7F6-B498-43B3-948B-1728B52AA6E4}">
+                <adec:decorative xmlns:adec="http://schemas.microsoft.com/office/drawing/2017/decorative" val="1"/>
+              </a:ext>
+            </a:extLst>
+          </p:cNvPr>
+          <p:cNvSpPr>
+            <a:spLocks noGrp="1" noRot="1" noChangeAspect="1" noMove="1" noResize="1" noEditPoints="1" noAdjustHandles="1" noChangeArrowheads="1" noChangeShapeType="1" noTextEdit="1"/>
+          </p:cNvSpPr>
+          <p:nvPr>
+            <p:extLst>
+              <p:ext uri="{386F3935-93C4-4BCD-93E2-E3B085C9AB24}">
+                <p16:designElem xmlns:p16="http://schemas.microsoft.com/office/powerpoint/2015/main" val="1"/>
+              </p:ext>
+            </p:extLst>
+          </p:nvPr>
+        </p:nvSpPr>
+        <p:spPr>
+          <a:xfrm>
+            <a:off x="0" y="0"/>
+            <a:ext cx="182880" cy="6858000"/>
+          </a:xfrm>
+          <a:prstGeom prst="rect">
+            <a:avLst/>
+          </a:prstGeom>
+          <a:solidFill>
+            <a:schemeClr val="tx2"/>
+          </a:solidFill>
+          <a:ln>
+            <a:noFill/>
+          </a:ln>
+          <a:effectLst/>
+        </p:spPr>
+        <p:style>
+          <a:lnRef idx="1">
+            <a:schemeClr val="accent1"/>
+          </a:lnRef>
+          <a:fillRef idx="3">
+            <a:schemeClr val="accent1"/>
+          </a:fillRef>
+          <a:effectRef idx="2">
+            <a:schemeClr val="accent1"/>
+          </a:effectRef>
+          <a:fontRef idx="minor">
+            <a:schemeClr val="lt1"/>
+          </a:fontRef>
+        </p:style>
       </p:sp>
       <p:sp>
         <p:nvSpPr>
           <p:cNvPr id="3" name="Pladsholder til indhold 2">
             <a:extLst>
               <a:ext uri="{FF2B5EF4-FFF2-40B4-BE49-F238E27FC236}">
-                <a16:creationId xmlns:a16="http://schemas.microsoft.com/office/drawing/2014/main" id="{936FA97A-5824-46EF-8DD4-24DD5261EC22}"/>
+                <a16:creationId xmlns:a16="http://schemas.microsoft.com/office/drawing/2014/main" id="{774EFAC8-D7D9-46A4-83BE-13ADD2244F19}"/>
               </a:ext>
             </a:extLst>
           </p:cNvPr>
@@ -12918,8 +15151,8 @@
         </p:nvSpPr>
         <p:spPr>
           <a:xfrm>
-            <a:off x="1394707" y="2180634"/>
-            <a:ext cx="4140772" cy="3777622"/>
+            <a:off x="649225" y="2133600"/>
+            <a:ext cx="3650278" cy="3759253"/>
           </a:xfrm>
         </p:spPr>
         <p:txBody>
@@ -12929,84 +15162,35 @@
           <a:lstStyle/>
           <a:p>
             <a:r>
-              <a:rPr lang="da-DK" sz="1600" dirty="0">
-                <a:solidFill>
-                  <a:srgbClr val="000000"/>
-                </a:solidFill>
-              </a:rPr>
-              <a:t>kontrollerer hvordan ressourcer tilgås</a:t>
+              <a:rPr lang="da-DK" dirty="0"/>
+              <a:t>Når handlinger sker i forkert rækkefølge</a:t>
+            </a:r>
+          </a:p>
+          <a:p>
+            <a:endParaRPr lang="da-DK" dirty="0"/>
+          </a:p>
+          <a:p>
+            <a:r>
+              <a:rPr lang="da-DK" dirty="0"/>
+              <a:t>Når tråder ændre resurser</a:t>
             </a:r>
           </a:p>
           <a:p>
             <a:pPr lvl="1"/>
-            <a:endParaRPr lang="da-DK" sz="1400" dirty="0">
-              <a:solidFill>
-                <a:srgbClr val="000000"/>
-              </a:solidFill>
-            </a:endParaRPr>
-          </a:p>
-          <a:p>
-            <a:r>
-              <a:rPr lang="da-DK" sz="1600" dirty="0">
-                <a:solidFill>
-                  <a:srgbClr val="000000"/>
-                </a:solidFill>
-              </a:rPr>
-              <a:t>Løser Race </a:t>
-            </a:r>
-            <a:r>
-              <a:rPr lang="da-DK" sz="1600" dirty="0" err="1">
-                <a:solidFill>
-                  <a:srgbClr val="000000"/>
-                </a:solidFill>
-              </a:rPr>
-              <a:t>Conditions</a:t>
-            </a:r>
-            <a:endParaRPr lang="da-DK" sz="1600" dirty="0">
-              <a:solidFill>
-                <a:srgbClr val="000000"/>
-              </a:solidFill>
-            </a:endParaRPr>
-          </a:p>
-          <a:p>
-            <a:r>
-              <a:rPr lang="da-DK" sz="1600" dirty="0">
-                <a:solidFill>
-                  <a:srgbClr val="000000"/>
-                </a:solidFill>
-              </a:rPr>
-              <a:t>Gør det muligt at Dead Locks, Live Locks og </a:t>
-            </a:r>
-            <a:r>
-              <a:rPr lang="da-DK" sz="1600" dirty="0" err="1">
-                <a:solidFill>
-                  <a:srgbClr val="000000"/>
-                </a:solidFill>
-              </a:rPr>
-              <a:t>Starvation</a:t>
-            </a:r>
-            <a:r>
-              <a:rPr lang="da-DK" sz="1600" dirty="0">
-                <a:solidFill>
-                  <a:srgbClr val="000000"/>
-                </a:solidFill>
-              </a:rPr>
-              <a:t> opstår.</a:t>
-            </a:r>
-            <a:endParaRPr lang="en-US" sz="1600" dirty="0">
-              <a:solidFill>
-                <a:srgbClr val="000000"/>
-              </a:solidFill>
-            </a:endParaRPr>
+            <a:r>
+              <a:rPr lang="da-DK" dirty="0"/>
+              <a:t>Uden at tage hensyn til andre</a:t>
+            </a:r>
+            <a:endParaRPr lang="en-US" dirty="0"/>
           </a:p>
         </p:txBody>
       </p:sp>
       <p:pic>
         <p:nvPicPr>
-          <p:cNvPr id="8194" name="Picture 2" descr="Billedresultat for threading programming meme">
+          <p:cNvPr id="4" name="Picture 2" descr="Billedresultat for threading comic coding">
             <a:extLst>
               <a:ext uri="{FF2B5EF4-FFF2-40B4-BE49-F238E27FC236}">
-                <a16:creationId xmlns:a16="http://schemas.microsoft.com/office/drawing/2014/main" id="{D01E26EE-11DD-4B87-ADAF-9A4C2C83A27D}"/>
+                <a16:creationId xmlns:a16="http://schemas.microsoft.com/office/drawing/2014/main" id="{248647DC-2C5B-4DE1-AB6A-FCA57EB658C8}"/>
               </a:ext>
             </a:extLst>
           </p:cNvPr>
@@ -13030,8 +15214,8 @@
         </p:blipFill>
         <p:spPr bwMode="auto">
           <a:xfrm>
-            <a:off x="5701005" y="926601"/>
-            <a:ext cx="6337062" cy="5307289"/>
+            <a:off x="5469945" y="640080"/>
+            <a:ext cx="5252773" cy="5252773"/>
           </a:xfrm>
           <a:prstGeom prst="rect">
             <a:avLst/>
@@ -13048,10 +15232,257 @@
           </a:extLst>
         </p:spPr>
       </p:pic>
+      <p:sp>
+        <p:nvSpPr>
+          <p:cNvPr id="13" name="Freeform 11">
+            <a:extLst>
+              <a:ext uri="{FF2B5EF4-FFF2-40B4-BE49-F238E27FC236}">
+                <a16:creationId xmlns:a16="http://schemas.microsoft.com/office/drawing/2014/main" id="{7DE3414B-B032-4710-A468-D3285E38C5FF}"/>
+              </a:ext>
+              <a:ext uri="{C183D7F6-B498-43B3-948B-1728B52AA6E4}">
+                <adec:decorative xmlns:adec="http://schemas.microsoft.com/office/drawing/2017/decorative" val="1"/>
+              </a:ext>
+            </a:extLst>
+          </p:cNvPr>
+          <p:cNvSpPr>
+            <a:spLocks noGrp="1" noRot="1" noChangeAspect="1" noMove="1" noResize="1" noEditPoints="1" noAdjustHandles="1" noChangeArrowheads="1" noChangeShapeType="1" noTextEdit="1"/>
+          </p:cNvSpPr>
+          <p:nvPr>
+            <p:extLst>
+              <p:ext uri="{386F3935-93C4-4BCD-93E2-E3B085C9AB24}">
+                <p16:designElem xmlns:p16="http://schemas.microsoft.com/office/powerpoint/2015/main" val="1"/>
+              </p:ext>
+            </p:extLst>
+          </p:nvPr>
+        </p:nvSpPr>
+        <p:spPr>
+          <a:xfrm>
+            <a:off x="-1" y="6061223"/>
+            <a:ext cx="1038036" cy="506277"/>
+          </a:xfrm>
+          <a:custGeom>
+            <a:avLst/>
+            <a:gdLst>
+              <a:gd name="connsiteX0" fmla="*/ 0 w 1038036"/>
+              <a:gd name="connsiteY0" fmla="*/ 0 h 506277"/>
+              <a:gd name="connsiteX1" fmla="*/ 182880 w 1038036"/>
+              <a:gd name="connsiteY1" fmla="*/ 0 h 506277"/>
+              <a:gd name="connsiteX2" fmla="*/ 291705 w 1038036"/>
+              <a:gd name="connsiteY2" fmla="*/ 0 h 506277"/>
+              <a:gd name="connsiteX3" fmla="*/ 291705 w 1038036"/>
+              <a:gd name="connsiteY3" fmla="*/ 151 h 506277"/>
+              <a:gd name="connsiteX4" fmla="*/ 692049 w 1038036"/>
+              <a:gd name="connsiteY4" fmla="*/ 705 h 506277"/>
+              <a:gd name="connsiteX5" fmla="*/ 782744 w 1038036"/>
+              <a:gd name="connsiteY5" fmla="*/ 705 h 506277"/>
+              <a:gd name="connsiteX6" fmla="*/ 797001 w 1038036"/>
+              <a:gd name="connsiteY6" fmla="*/ 5473 h 506277"/>
+              <a:gd name="connsiteX7" fmla="*/ 801982 w 1038036"/>
+              <a:gd name="connsiteY7" fmla="*/ 10242 h 506277"/>
+              <a:gd name="connsiteX8" fmla="*/ 1030951 w 1038036"/>
+              <a:gd name="connsiteY8" fmla="*/ 239185 h 506277"/>
+              <a:gd name="connsiteX9" fmla="*/ 1030951 w 1038036"/>
+              <a:gd name="connsiteY9" fmla="*/ 267797 h 506277"/>
+              <a:gd name="connsiteX10" fmla="*/ 801982 w 1038036"/>
+              <a:gd name="connsiteY10" fmla="*/ 496740 h 506277"/>
+              <a:gd name="connsiteX11" fmla="*/ 797001 w 1038036"/>
+              <a:gd name="connsiteY11" fmla="*/ 501508 h 506277"/>
+              <a:gd name="connsiteX12" fmla="*/ 782744 w 1038036"/>
+              <a:gd name="connsiteY12" fmla="*/ 506277 h 506277"/>
+              <a:gd name="connsiteX13" fmla="*/ 692049 w 1038036"/>
+              <a:gd name="connsiteY13" fmla="*/ 506277 h 506277"/>
+              <a:gd name="connsiteX14" fmla="*/ 291705 w 1038036"/>
+              <a:gd name="connsiteY14" fmla="*/ 505140 h 506277"/>
+              <a:gd name="connsiteX15" fmla="*/ 291705 w 1038036"/>
+              <a:gd name="connsiteY15" fmla="*/ 506277 h 506277"/>
+              <a:gd name="connsiteX16" fmla="*/ 0 w 1038036"/>
+              <a:gd name="connsiteY16" fmla="*/ 506277 h 506277"/>
+            </a:gdLst>
+            <a:ahLst/>
+            <a:cxnLst>
+              <a:cxn ang="0">
+                <a:pos x="connsiteX0" y="connsiteY0"/>
+              </a:cxn>
+              <a:cxn ang="0">
+                <a:pos x="connsiteX1" y="connsiteY1"/>
+              </a:cxn>
+              <a:cxn ang="0">
+                <a:pos x="connsiteX2" y="connsiteY2"/>
+              </a:cxn>
+              <a:cxn ang="0">
+                <a:pos x="connsiteX3" y="connsiteY3"/>
+              </a:cxn>
+              <a:cxn ang="0">
+                <a:pos x="connsiteX4" y="connsiteY4"/>
+              </a:cxn>
+              <a:cxn ang="0">
+                <a:pos x="connsiteX5" y="connsiteY5"/>
+              </a:cxn>
+              <a:cxn ang="0">
+                <a:pos x="connsiteX6" y="connsiteY6"/>
+              </a:cxn>
+              <a:cxn ang="0">
+                <a:pos x="connsiteX7" y="connsiteY7"/>
+              </a:cxn>
+              <a:cxn ang="0">
+                <a:pos x="connsiteX8" y="connsiteY8"/>
+              </a:cxn>
+              <a:cxn ang="0">
+                <a:pos x="connsiteX9" y="connsiteY9"/>
+              </a:cxn>
+              <a:cxn ang="0">
+                <a:pos x="connsiteX10" y="connsiteY10"/>
+              </a:cxn>
+              <a:cxn ang="0">
+                <a:pos x="connsiteX11" y="connsiteY11"/>
+              </a:cxn>
+              <a:cxn ang="0">
+                <a:pos x="connsiteX12" y="connsiteY12"/>
+              </a:cxn>
+              <a:cxn ang="0">
+                <a:pos x="connsiteX13" y="connsiteY13"/>
+              </a:cxn>
+              <a:cxn ang="0">
+                <a:pos x="connsiteX14" y="connsiteY14"/>
+              </a:cxn>
+              <a:cxn ang="0">
+                <a:pos x="connsiteX15" y="connsiteY15"/>
+              </a:cxn>
+              <a:cxn ang="0">
+                <a:pos x="connsiteX16" y="connsiteY16"/>
+              </a:cxn>
+            </a:cxnLst>
+            <a:rect l="l" t="t" r="r" b="b"/>
+            <a:pathLst>
+              <a:path w="1038036" h="506277">
+                <a:moveTo>
+                  <a:pt x="0" y="0"/>
+                </a:moveTo>
+                <a:lnTo>
+                  <a:pt x="182880" y="0"/>
+                </a:lnTo>
+                <a:lnTo>
+                  <a:pt x="291705" y="0"/>
+                </a:lnTo>
+                <a:lnTo>
+                  <a:pt x="291705" y="151"/>
+                </a:lnTo>
+                <a:lnTo>
+                  <a:pt x="692049" y="705"/>
+                </a:lnTo>
+                <a:lnTo>
+                  <a:pt x="782744" y="705"/>
+                </a:lnTo>
+                <a:cubicBezTo>
+                  <a:pt x="787553" y="705"/>
+                  <a:pt x="792363" y="5473"/>
+                  <a:pt x="797001" y="5473"/>
+                </a:cubicBezTo>
+                <a:cubicBezTo>
+                  <a:pt x="797001" y="10242"/>
+                  <a:pt x="801982" y="10242"/>
+                  <a:pt x="801982" y="10242"/>
+                </a:cubicBezTo>
+                <a:lnTo>
+                  <a:pt x="1030951" y="239185"/>
+                </a:lnTo>
+                <a:cubicBezTo>
+                  <a:pt x="1040398" y="248722"/>
+                  <a:pt x="1040398" y="258259"/>
+                  <a:pt x="1030951" y="267797"/>
+                </a:cubicBezTo>
+                <a:lnTo>
+                  <a:pt x="801982" y="496740"/>
+                </a:lnTo>
+                <a:cubicBezTo>
+                  <a:pt x="800436" y="498363"/>
+                  <a:pt x="798547" y="499885"/>
+                  <a:pt x="797001" y="501508"/>
+                </a:cubicBezTo>
+                <a:cubicBezTo>
+                  <a:pt x="792363" y="506277"/>
+                  <a:pt x="787553" y="506277"/>
+                  <a:pt x="782744" y="506277"/>
+                </a:cubicBezTo>
+                <a:lnTo>
+                  <a:pt x="692049" y="506277"/>
+                </a:lnTo>
+                <a:lnTo>
+                  <a:pt x="291705" y="505140"/>
+                </a:lnTo>
+                <a:lnTo>
+                  <a:pt x="291705" y="506277"/>
+                </a:lnTo>
+                <a:lnTo>
+                  <a:pt x="0" y="506277"/>
+                </a:lnTo>
+                <a:close/>
+              </a:path>
+            </a:pathLst>
+          </a:custGeom>
+          <a:ln>
+            <a:noFill/>
+          </a:ln>
+        </p:spPr>
+        <p:style>
+          <a:lnRef idx="2">
+            <a:schemeClr val="accent1">
+              <a:shade val="50000"/>
+            </a:schemeClr>
+          </a:lnRef>
+          <a:fillRef idx="1">
+            <a:schemeClr val="accent1"/>
+          </a:fillRef>
+          <a:effectRef idx="0">
+            <a:schemeClr val="accent1"/>
+          </a:effectRef>
+          <a:fontRef idx="minor">
+            <a:schemeClr val="lt1"/>
+          </a:fontRef>
+        </p:style>
+        <p:txBody>
+          <a:bodyPr rtlCol="0" anchor="ctr"/>
+          <a:lstStyle/>
+          <a:p>
+            <a:pPr algn="ctr"/>
+            <a:endParaRPr lang="en-US"/>
+          </a:p>
+        </p:txBody>
+      </p:sp>
+      <p:pic>
+        <p:nvPicPr>
+          <p:cNvPr id="5" name="Billede 4">
+            <a:extLst>
+              <a:ext uri="{FF2B5EF4-FFF2-40B4-BE49-F238E27FC236}">
+                <a16:creationId xmlns:a16="http://schemas.microsoft.com/office/drawing/2014/main" id="{E02BEB70-5BEF-455D-969E-2E29CE5F69D9}"/>
+              </a:ext>
+            </a:extLst>
+          </p:cNvPr>
+          <p:cNvPicPr>
+            <a:picLocks noChangeAspect="1"/>
+          </p:cNvPicPr>
+          <p:nvPr/>
+        </p:nvPicPr>
+        <p:blipFill>
+          <a:blip r:embed="rId3"/>
+          <a:stretch>
+            <a:fillRect/>
+          </a:stretch>
+        </p:blipFill>
+        <p:spPr>
+          <a:xfrm>
+            <a:off x="965753" y="4386275"/>
+            <a:ext cx="3333750" cy="2181225"/>
+          </a:xfrm>
+          <a:prstGeom prst="rect">
+            <a:avLst/>
+          </a:prstGeom>
+        </p:spPr>
+      </p:pic>
     </p:spTree>
     <p:extLst>
       <p:ext uri="{BB962C8B-B14F-4D97-AF65-F5344CB8AC3E}">
-        <p14:creationId xmlns:p14="http://schemas.microsoft.com/office/powerpoint/2010/main" val="4245322968"/>
+        <p14:creationId xmlns:p14="http://schemas.microsoft.com/office/powerpoint/2010/main" val="2335725810"/>
       </p:ext>
     </p:extLst>
   </p:cSld>
